--- a/javascript.pptx
+++ b/javascript.pptx
@@ -16,9 +16,8 @@
     <p:sldId id="264" r:id="rId10"/>
     <p:sldId id="265" r:id="rId11"/>
     <p:sldId id="266" r:id="rId12"/>
-    <p:sldId id="267" r:id="rId13"/>
-    <p:sldId id="268" r:id="rId14"/>
-    <p:sldId id="269" r:id="rId15"/>
+    <p:sldId id="268" r:id="rId13"/>
+    <p:sldId id="269" r:id="rId14"/>
   </p:sldIdLst>
   <p:sldSz cx="12192000" cy="6858000"/>
   <p:notesSz cx="6858000" cy="9144000"/>
@@ -355,7 +354,7 @@
             <a:fld id="{B61BEF0D-F0BB-DE4B-95CE-6DB70DBA9567}" type="datetimeFigureOut">
               <a:rPr lang="en-US" smtClean="0"/>
               <a:pPr/>
-              <a:t>8/21/2022</a:t>
+              <a:t>11/16/2022</a:t>
             </a:fld>
             <a:endParaRPr lang="en-US" dirty="0"/>
           </a:p>
@@ -691,7 +690,7 @@
             <a:fld id="{B61BEF0D-F0BB-DE4B-95CE-6DB70DBA9567}" type="datetimeFigureOut">
               <a:rPr lang="en-US" smtClean="0"/>
               <a:pPr/>
-              <a:t>8/21/2022</a:t>
+              <a:t>11/16/2022</a:t>
             </a:fld>
             <a:endParaRPr lang="en-US" dirty="0"/>
           </a:p>
@@ -971,7 +970,7 @@
             <a:fld id="{B61BEF0D-F0BB-DE4B-95CE-6DB70DBA9567}" type="datetimeFigureOut">
               <a:rPr lang="en-US" smtClean="0"/>
               <a:pPr/>
-              <a:t>8/21/2022</a:t>
+              <a:t>11/16/2022</a:t>
             </a:fld>
             <a:endParaRPr lang="en-US" dirty="0"/>
           </a:p>
@@ -1541,7 +1540,7 @@
             <a:fld id="{B61BEF0D-F0BB-DE4B-95CE-6DB70DBA9567}" type="datetimeFigureOut">
               <a:rPr lang="en-US" smtClean="0"/>
               <a:pPr/>
-              <a:t>8/21/2022</a:t>
+              <a:t>11/16/2022</a:t>
             </a:fld>
             <a:endParaRPr lang="en-US" dirty="0"/>
           </a:p>
@@ -1821,7 +1820,7 @@
             <a:fld id="{B61BEF0D-F0BB-DE4B-95CE-6DB70DBA9567}" type="datetimeFigureOut">
               <a:rPr lang="en-US" smtClean="0"/>
               <a:pPr/>
-              <a:t>8/21/2022</a:t>
+              <a:t>11/16/2022</a:t>
             </a:fld>
             <a:endParaRPr lang="en-US" dirty="0"/>
           </a:p>
@@ -2385,7 +2384,7 @@
             <a:fld id="{B61BEF0D-F0BB-DE4B-95CE-6DB70DBA9567}" type="datetimeFigureOut">
               <a:rPr lang="en-US" smtClean="0"/>
               <a:pPr/>
-              <a:t>8/21/2022</a:t>
+              <a:t>11/16/2022</a:t>
             </a:fld>
             <a:endParaRPr lang="en-US" dirty="0"/>
           </a:p>
@@ -2714,7 +2713,7 @@
             <a:fld id="{B61BEF0D-F0BB-DE4B-95CE-6DB70DBA9567}" type="datetimeFigureOut">
               <a:rPr lang="en-US" smtClean="0"/>
               <a:pPr/>
-              <a:t>8/21/2022</a:t>
+              <a:t>11/16/2022</a:t>
             </a:fld>
             <a:endParaRPr lang="en-US" dirty="0"/>
           </a:p>
@@ -2893,7 +2892,7 @@
             <a:fld id="{B61BEF0D-F0BB-DE4B-95CE-6DB70DBA9567}" type="datetimeFigureOut">
               <a:rPr lang="en-US" smtClean="0"/>
               <a:pPr/>
-              <a:t>8/21/2022</a:t>
+              <a:t>11/16/2022</a:t>
             </a:fld>
             <a:endParaRPr lang="en-US" dirty="0"/>
           </a:p>
@@ -3133,7 +3132,7 @@
             <a:fld id="{B61BEF0D-F0BB-DE4B-95CE-6DB70DBA9567}" type="datetimeFigureOut">
               <a:rPr lang="en-US" smtClean="0"/>
               <a:pPr/>
-              <a:t>8/21/2022</a:t>
+              <a:t>11/16/2022</a:t>
             </a:fld>
             <a:endParaRPr lang="en-US" dirty="0"/>
           </a:p>
@@ -3335,7 +3334,7 @@
             <a:fld id="{B61BEF0D-F0BB-DE4B-95CE-6DB70DBA9567}" type="datetimeFigureOut">
               <a:rPr lang="en-US" smtClean="0"/>
               <a:pPr/>
-              <a:t>8/21/2022</a:t>
+              <a:t>11/16/2022</a:t>
             </a:fld>
             <a:endParaRPr lang="en-US" dirty="0"/>
           </a:p>
@@ -3613,7 +3612,7 @@
             <a:fld id="{B61BEF0D-F0BB-DE4B-95CE-6DB70DBA9567}" type="datetimeFigureOut">
               <a:rPr lang="en-US" smtClean="0"/>
               <a:pPr/>
-              <a:t>8/21/2022</a:t>
+              <a:t>11/16/2022</a:t>
             </a:fld>
             <a:endParaRPr lang="en-US" dirty="0"/>
           </a:p>
@@ -3881,7 +3880,7 @@
             <a:fld id="{B61BEF0D-F0BB-DE4B-95CE-6DB70DBA9567}" type="datetimeFigureOut">
               <a:rPr lang="en-US" smtClean="0"/>
               <a:pPr/>
-              <a:t>8/21/2022</a:t>
+              <a:t>11/16/2022</a:t>
             </a:fld>
             <a:endParaRPr lang="en-US" dirty="0"/>
           </a:p>
@@ -4257,7 +4256,7 @@
             <a:fld id="{B61BEF0D-F0BB-DE4B-95CE-6DB70DBA9567}" type="datetimeFigureOut">
               <a:rPr lang="en-US" smtClean="0"/>
               <a:pPr/>
-              <a:t>8/21/2022</a:t>
+              <a:t>11/16/2022</a:t>
             </a:fld>
             <a:endParaRPr lang="en-US" dirty="0"/>
           </a:p>
@@ -4407,7 +4406,7 @@
             <a:fld id="{B61BEF0D-F0BB-DE4B-95CE-6DB70DBA9567}" type="datetimeFigureOut">
               <a:rPr lang="en-US" smtClean="0"/>
               <a:pPr/>
-              <a:t>8/21/2022</a:t>
+              <a:t>11/16/2022</a:t>
             </a:fld>
             <a:endParaRPr lang="en-US" dirty="0"/>
           </a:p>
@@ -4534,7 +4533,7 @@
             <a:fld id="{B61BEF0D-F0BB-DE4B-95CE-6DB70DBA9567}" type="datetimeFigureOut">
               <a:rPr lang="en-US" smtClean="0"/>
               <a:pPr/>
-              <a:t>8/21/2022</a:t>
+              <a:t>11/16/2022</a:t>
             </a:fld>
             <a:endParaRPr lang="en-US" dirty="0"/>
           </a:p>
@@ -4821,7 +4820,7 @@
             <a:fld id="{B61BEF0D-F0BB-DE4B-95CE-6DB70DBA9567}" type="datetimeFigureOut">
               <a:rPr lang="en-US" smtClean="0"/>
               <a:pPr/>
-              <a:t>8/21/2022</a:t>
+              <a:t>11/16/2022</a:t>
             </a:fld>
             <a:endParaRPr lang="en-US" dirty="0"/>
           </a:p>
@@ -5147,7 +5146,7 @@
             <a:fld id="{B61BEF0D-F0BB-DE4B-95CE-6DB70DBA9567}" type="datetimeFigureOut">
               <a:rPr lang="en-US" smtClean="0"/>
               <a:pPr/>
-              <a:t>8/21/2022</a:t>
+              <a:t>11/16/2022</a:t>
             </a:fld>
             <a:endParaRPr lang="en-US" dirty="0"/>
           </a:p>
@@ -5363,7 +5362,7 @@
             <a:fld id="{B61BEF0D-F0BB-DE4B-95CE-6DB70DBA9567}" type="datetimeFigureOut">
               <a:rPr lang="en-US" smtClean="0"/>
               <a:pPr/>
-              <a:t>8/21/2022</a:t>
+              <a:t>11/16/2022</a:t>
             </a:fld>
             <a:endParaRPr lang="en-US" dirty="0"/>
           </a:p>
@@ -8862,18 +8861,6 @@
               <a:rPr lang="en-US" sz="2400" dirty="0" err="1"/>
               <a:t>el.lastChild</a:t>
             </a:r>
-            <a:r>
-              <a:rPr lang="en-US" sz="2400" dirty="0"/>
-              <a:t>, </a:t>
-            </a:r>
-            <a:r>
-              <a:rPr lang="en-US" sz="2400" dirty="0" err="1"/>
-              <a:t>nodeValue</a:t>
-            </a:r>
-            <a:r>
-              <a:rPr lang="en-US" sz="2400" dirty="0"/>
-              <a:t>, data</a:t>
-            </a:r>
             <a:endParaRPr lang="en-US" sz="2400" dirty="0">
               <a:latin typeface="Constantia" panose="02030602050306030303" pitchFamily="18" charset="0"/>
             </a:endParaRPr>
@@ -10656,8 +10643,8 @@
         </p:nvSpPr>
         <p:spPr>
           <a:xfrm>
-            <a:off x="3285306" y="49111"/>
-            <a:ext cx="5310054" cy="646331"/>
+            <a:off x="4082140" y="60430"/>
+            <a:ext cx="3298374" cy="646331"/>
           </a:xfrm>
           <a:prstGeom prst="rect">
             <a:avLst/>
@@ -10674,7 +10661,7 @@
               <a:rPr lang="fr-SN" sz="3600" dirty="0">
                 <a:latin typeface="Constantia" panose="02030602050306030303" pitchFamily="18" charset="0"/>
               </a:rPr>
-              <a:t>Manipuler le HTML</a:t>
+              <a:t>Les formulaires</a:t>
             </a:r>
             <a:endParaRPr lang="en-US" sz="3600" dirty="0">
               <a:latin typeface="Constantia" panose="02030602050306030303" pitchFamily="18" charset="0"/>
@@ -10690,7 +10677,7 @@
         </p:nvSpPr>
         <p:spPr>
           <a:xfrm>
-            <a:off x="1482625" y="1055949"/>
+            <a:off x="2076988" y="1168426"/>
             <a:ext cx="7929158" cy="461665"/>
           </a:xfrm>
           <a:prstGeom prst="rect">
@@ -10709,14 +10696,11 @@
               <a:buChar char="v"/>
             </a:pPr>
             <a:r>
-              <a:rPr lang="fr-FR" sz="2400" dirty="0">
-                <a:latin typeface="Constantia" panose="02030602050306030303" pitchFamily="18" charset="0"/>
-              </a:rPr>
-              <a:t>Quelques fonctions </a:t>
-            </a:r>
-            <a:endParaRPr lang="en-US" sz="2400" dirty="0">
-              <a:latin typeface="Constantia" panose="02030602050306030303" pitchFamily="18" charset="0"/>
-            </a:endParaRPr>
+              <a:rPr lang="en-US" sz="2400" dirty="0">
+                <a:latin typeface="Constantia" panose="02030602050306030303" pitchFamily="18" charset="0"/>
+              </a:rPr>
+              <a:t>Les  attributs</a:t>
+            </a:r>
           </a:p>
         </p:txBody>
       </p:sp>
@@ -10728,7 +10712,7 @@
         </p:nvSpPr>
         <p:spPr>
           <a:xfrm>
-            <a:off x="2125967" y="1878121"/>
+            <a:off x="2076988" y="3804526"/>
             <a:ext cx="3892736" cy="461665"/>
           </a:xfrm>
           <a:prstGeom prst="rect">
@@ -10743,16 +10727,20 @@
           <a:lstStyle/>
           <a:p>
             <a:pPr marL="342900" indent="-342900">
-              <a:buFont typeface="Arial" panose="020B0604020202020204" pitchFamily="34" charset="0"/>
-              <a:buChar char="•"/>
+              <a:buFont typeface="Wingdings" panose="05000000000000000000" pitchFamily="2" charset="2"/>
+              <a:buChar char="v"/>
             </a:pPr>
             <a:r>
-              <a:rPr lang="en-US" sz="2400" dirty="0" err="1"/>
-              <a:t>el.replaceChild</a:t>
-            </a:r>
-            <a:r>
-              <a:rPr lang="en-US" sz="2400" dirty="0"/>
-              <a:t>()</a:t>
+              <a:rPr lang="fr-SN" sz="2400" dirty="0">
+                <a:latin typeface="Constantia" panose="02030602050306030303" pitchFamily="18" charset="0"/>
+              </a:rPr>
+              <a:t>Méthodes et évènements</a:t>
+            </a:r>
+            <a:r>
+              <a:rPr lang="fr-FR" sz="2400" dirty="0">
+                <a:latin typeface="Constantia" panose="02030602050306030303" pitchFamily="18" charset="0"/>
+              </a:rPr>
+              <a:t> </a:t>
             </a:r>
             <a:endParaRPr lang="en-US" sz="2400" dirty="0">
               <a:latin typeface="Constantia" panose="02030602050306030303" pitchFamily="18" charset="0"/>
@@ -10762,14 +10750,20 @@
       </p:sp>
       <p:sp>
         <p:nvSpPr>
-          <p:cNvPr id="8" name="ZoneTexte 7"/>
+          <p:cNvPr id="2" name="ZoneTexte 1">
+            <a:extLst>
+              <a:ext uri="{FF2B5EF4-FFF2-40B4-BE49-F238E27FC236}">
+                <a16:creationId xmlns:a16="http://schemas.microsoft.com/office/drawing/2014/main" id="{11419FC5-3D9A-A1BF-8256-82A10AEBE9AC}"/>
+              </a:ext>
+            </a:extLst>
+          </p:cNvPr>
           <p:cNvSpPr txBox="1"/>
           <p:nvPr/>
         </p:nvSpPr>
         <p:spPr>
           <a:xfrm>
-            <a:off x="2125967" y="2469460"/>
-            <a:ext cx="3892736" cy="461665"/>
+            <a:off x="2822712" y="1736035"/>
+            <a:ext cx="5917481" cy="461665"/>
           </a:xfrm>
           <a:prstGeom prst="rect">
             <a:avLst/>
@@ -10783,33 +10777,34 @@
           <a:lstStyle/>
           <a:p>
             <a:pPr marL="342900" indent="-342900">
-              <a:buFont typeface="Arial" panose="020B0604020202020204" pitchFamily="34" charset="0"/>
-              <a:buChar char="•"/>
+              <a:buFont typeface="Wingdings" panose="05000000000000000000" pitchFamily="2" charset="2"/>
+              <a:buChar char="Ø"/>
             </a:pPr>
             <a:r>
-              <a:rPr lang="en-US" sz="2400" dirty="0" err="1"/>
-              <a:t>el.removeChild</a:t>
-            </a:r>
-            <a:r>
-              <a:rPr lang="en-US" sz="2400" dirty="0"/>
-              <a:t>()</a:t>
-            </a:r>
-            <a:endParaRPr lang="en-US" sz="2400" dirty="0">
-              <a:latin typeface="Constantia" panose="02030602050306030303" pitchFamily="18" charset="0"/>
-            </a:endParaRPr>
-          </a:p>
-        </p:txBody>
-      </p:sp>
-      <p:sp>
-        <p:nvSpPr>
-          <p:cNvPr id="9" name="ZoneTexte 8"/>
+              <a:rPr lang="fr-SN" sz="2400" dirty="0">
+                <a:latin typeface="Constantia" panose="02030602050306030303" pitchFamily="18" charset="0"/>
+              </a:rPr>
+              <a:t>Attribut classique : value</a:t>
+            </a:r>
+          </a:p>
+        </p:txBody>
+      </p:sp>
+      <p:sp>
+        <p:nvSpPr>
+          <p:cNvPr id="3" name="ZoneTexte 2">
+            <a:extLst>
+              <a:ext uri="{FF2B5EF4-FFF2-40B4-BE49-F238E27FC236}">
+                <a16:creationId xmlns:a16="http://schemas.microsoft.com/office/drawing/2014/main" id="{2E8EC832-601C-1882-AFA8-C9A11631030C}"/>
+              </a:ext>
+            </a:extLst>
+          </p:cNvPr>
           <p:cNvSpPr txBox="1"/>
           <p:nvPr/>
         </p:nvSpPr>
         <p:spPr>
           <a:xfrm>
-            <a:off x="2125967" y="3060799"/>
-            <a:ext cx="3892736" cy="461665"/>
+            <a:off x="2822711" y="2399793"/>
+            <a:ext cx="7659759" cy="461665"/>
           </a:xfrm>
           <a:prstGeom prst="rect">
             <a:avLst/>
@@ -10823,18 +10818,46 @@
           <a:lstStyle/>
           <a:p>
             <a:pPr marL="342900" indent="-342900">
-              <a:buFont typeface="Arial" panose="020B0604020202020204" pitchFamily="34" charset="0"/>
-              <a:buChar char="•"/>
+              <a:buFont typeface="Wingdings" panose="05000000000000000000" pitchFamily="2" charset="2"/>
+              <a:buChar char="Ø"/>
             </a:pPr>
             <a:r>
-              <a:rPr lang="en-US" sz="2400" dirty="0" err="1"/>
-              <a:t>el.hasChildNodes</a:t>
-            </a:r>
-            <a:r>
-              <a:rPr lang="en-US" sz="2400" dirty="0"/>
-              <a:t>()</a:t>
-            </a:r>
-            <a:endParaRPr lang="en-US" sz="2400" dirty="0">
+              <a:rPr lang="fr-SN" sz="2400" dirty="0">
+                <a:latin typeface="Constantia" panose="02030602050306030303" pitchFamily="18" charset="0"/>
+              </a:rPr>
+              <a:t>Les Booléens : </a:t>
+            </a:r>
+            <a:r>
+              <a:rPr lang="fr-SN" sz="2400" dirty="0" err="1">
+                <a:latin typeface="Constantia" panose="02030602050306030303" pitchFamily="18" charset="0"/>
+              </a:rPr>
+              <a:t>disabled</a:t>
+            </a:r>
+            <a:r>
+              <a:rPr lang="fr-SN" sz="2400" dirty="0">
+                <a:latin typeface="Constantia" panose="02030602050306030303" pitchFamily="18" charset="0"/>
+              </a:rPr>
+              <a:t>, </a:t>
+            </a:r>
+            <a:r>
+              <a:rPr lang="fr-SN" sz="2400" dirty="0" err="1">
+                <a:latin typeface="Constantia" panose="02030602050306030303" pitchFamily="18" charset="0"/>
+              </a:rPr>
+              <a:t>checked</a:t>
+            </a:r>
+            <a:r>
+              <a:rPr lang="fr-SN" sz="2400" dirty="0">
+                <a:latin typeface="Constantia" panose="02030602050306030303" pitchFamily="18" charset="0"/>
+              </a:rPr>
+              <a:t> et </a:t>
+            </a:r>
+            <a:r>
+              <a:rPr lang="fr-SN" sz="2400" dirty="0" err="1">
+                <a:latin typeface="Constantia" panose="02030602050306030303" pitchFamily="18" charset="0"/>
+              </a:rPr>
+              <a:t>readonly</a:t>
+            </a:r>
+            <a:endParaRPr lang="fr-SN" sz="2400" dirty="0">
               <a:latin typeface="Constantia" panose="02030602050306030303" pitchFamily="18" charset="0"/>
             </a:endParaRPr>
           </a:p>
@@ -10842,14 +10865,20 @@
       </p:sp>
       <p:sp>
         <p:nvSpPr>
-          <p:cNvPr id="10" name="ZoneTexte 9"/>
+          <p:cNvPr id="8" name="ZoneTexte 7">
+            <a:extLst>
+              <a:ext uri="{FF2B5EF4-FFF2-40B4-BE49-F238E27FC236}">
+                <a16:creationId xmlns:a16="http://schemas.microsoft.com/office/drawing/2014/main" id="{3AE74E07-BD2F-0E49-89FE-2A01A4B3F416}"/>
+              </a:ext>
+            </a:extLst>
+          </p:cNvPr>
           <p:cNvSpPr txBox="1"/>
           <p:nvPr/>
         </p:nvSpPr>
         <p:spPr>
           <a:xfrm>
-            <a:off x="2125967" y="3652138"/>
-            <a:ext cx="3892736" cy="461665"/>
+            <a:off x="2822711" y="3101619"/>
+            <a:ext cx="8123585" cy="461665"/>
           </a:xfrm>
           <a:prstGeom prst="rect">
             <a:avLst/>
@@ -10863,35 +10892,46 @@
           <a:lstStyle/>
           <a:p>
             <a:pPr marL="342900" indent="-342900">
-              <a:buFont typeface="Arial" panose="020B0604020202020204" pitchFamily="34" charset="0"/>
-              <a:buChar char="•"/>
+              <a:buFont typeface="Wingdings" panose="05000000000000000000" pitchFamily="2" charset="2"/>
+              <a:buChar char="Ø"/>
             </a:pPr>
             <a:r>
-              <a:rPr lang="en-US" sz="2400" dirty="0" err="1"/>
-              <a:t>getElementsByTagName</a:t>
-            </a:r>
-            <a:r>
               <a:rPr lang="fr-SN" sz="2400" dirty="0">
                 <a:latin typeface="Constantia" panose="02030602050306030303" pitchFamily="18" charset="0"/>
               </a:rPr>
-              <a:t>()</a:t>
-            </a:r>
-            <a:endParaRPr lang="en-US" sz="2400" dirty="0">
-              <a:latin typeface="Constantia" panose="02030602050306030303" pitchFamily="18" charset="0"/>
-            </a:endParaRPr>
-          </a:p>
-        </p:txBody>
-      </p:sp>
-      <p:sp>
-        <p:nvSpPr>
-          <p:cNvPr id="11" name="ZoneTexte 10"/>
+              <a:t>Les listes déroulantes : </a:t>
+            </a:r>
+            <a:r>
+              <a:rPr lang="fr-SN" sz="2400" dirty="0" err="1">
+                <a:latin typeface="Constantia" panose="02030602050306030303" pitchFamily="18" charset="0"/>
+              </a:rPr>
+              <a:t>selectIndex</a:t>
+            </a:r>
+            <a:r>
+              <a:rPr lang="fr-SN" sz="2400" dirty="0">
+                <a:latin typeface="Constantia" panose="02030602050306030303" pitchFamily="18" charset="0"/>
+              </a:rPr>
+              <a:t> et options</a:t>
+            </a:r>
+          </a:p>
+        </p:txBody>
+      </p:sp>
+      <p:sp>
+        <p:nvSpPr>
+          <p:cNvPr id="9" name="ZoneTexte 8">
+            <a:extLst>
+              <a:ext uri="{FF2B5EF4-FFF2-40B4-BE49-F238E27FC236}">
+                <a16:creationId xmlns:a16="http://schemas.microsoft.com/office/drawing/2014/main" id="{71DFECED-E1EE-252B-CC60-F489E985A2F7}"/>
+              </a:ext>
+            </a:extLst>
+          </p:cNvPr>
           <p:cNvSpPr txBox="1"/>
           <p:nvPr/>
         </p:nvSpPr>
         <p:spPr>
           <a:xfrm>
-            <a:off x="2125967" y="4230994"/>
-            <a:ext cx="4588342" cy="461665"/>
+            <a:off x="2772586" y="4462741"/>
+            <a:ext cx="6570197" cy="461665"/>
           </a:xfrm>
           <a:prstGeom prst="rect">
             <a:avLst/>
@@ -10905,28 +10945,22 @@
           <a:lstStyle/>
           <a:p>
             <a:pPr marL="342900" indent="-342900">
-              <a:buFont typeface="Arial" panose="020B0604020202020204" pitchFamily="34" charset="0"/>
-              <a:buChar char="•"/>
+              <a:buFont typeface="Wingdings" panose="05000000000000000000" pitchFamily="2" charset="2"/>
+              <a:buChar char="Ø"/>
             </a:pPr>
             <a:r>
-              <a:rPr lang="en-US" sz="2400" dirty="0" err="1"/>
-              <a:t>getAttribute</a:t>
-            </a:r>
-            <a:r>
               <a:rPr lang="fr-SN" sz="2400" dirty="0">
                 <a:latin typeface="Constantia" panose="02030602050306030303" pitchFamily="18" charset="0"/>
               </a:rPr>
-              <a:t>(), </a:t>
-            </a:r>
-            <a:r>
-              <a:rPr lang="en-US" sz="2400" dirty="0" err="1"/>
-              <a:t>setAttribute</a:t>
-            </a:r>
-            <a:r>
-              <a:rPr lang="en-US" sz="2400" dirty="0"/>
-              <a:t>()</a:t>
-            </a:r>
-            <a:endParaRPr lang="en-US" sz="2400" dirty="0">
+              <a:t>Les méthodes spécifiques à l’élément </a:t>
+            </a:r>
+            <a:r>
+              <a:rPr lang="fr-SN" sz="2400" dirty="0" err="1">
+                <a:latin typeface="Constantia" panose="02030602050306030303" pitchFamily="18" charset="0"/>
+              </a:rPr>
+              <a:t>form</a:t>
+            </a:r>
+            <a:endParaRPr lang="fr-SN" sz="2400" dirty="0">
               <a:latin typeface="Constantia" panose="02030602050306030303" pitchFamily="18" charset="0"/>
             </a:endParaRPr>
           </a:p>
@@ -10934,14 +10968,20 @@
       </p:sp>
       <p:sp>
         <p:nvSpPr>
-          <p:cNvPr id="12" name="ZoneTexte 11"/>
+          <p:cNvPr id="10" name="ZoneTexte 9">
+            <a:extLst>
+              <a:ext uri="{FF2B5EF4-FFF2-40B4-BE49-F238E27FC236}">
+                <a16:creationId xmlns:a16="http://schemas.microsoft.com/office/drawing/2014/main" id="{E22A857A-D554-A490-5FC8-356EA1772A80}"/>
+              </a:ext>
+            </a:extLst>
+          </p:cNvPr>
           <p:cNvSpPr txBox="1"/>
           <p:nvPr/>
         </p:nvSpPr>
         <p:spPr>
           <a:xfrm>
-            <a:off x="2125967" y="4809850"/>
-            <a:ext cx="3892736" cy="461665"/>
+            <a:off x="2772586" y="5120956"/>
+            <a:ext cx="5917481" cy="461665"/>
           </a:xfrm>
           <a:prstGeom prst="rect">
             <a:avLst/>
@@ -10955,35 +10995,34 @@
           <a:lstStyle/>
           <a:p>
             <a:pPr marL="342900" indent="-342900">
-              <a:buFont typeface="Arial" panose="020B0604020202020204" pitchFamily="34" charset="0"/>
-              <a:buChar char="•"/>
+              <a:buFont typeface="Wingdings" panose="05000000000000000000" pitchFamily="2" charset="2"/>
+              <a:buChar char="Ø"/>
             </a:pPr>
             <a:r>
-              <a:rPr lang="en-US" sz="2400" dirty="0" err="1">
-                <a:latin typeface="Constantia" panose="02030602050306030303" pitchFamily="18" charset="0"/>
-              </a:rPr>
-              <a:t>el</a:t>
-            </a:r>
-            <a:r>
-              <a:rPr lang="en-US" sz="2400" dirty="0" err="1"/>
-              <a:t>.className</a:t>
-            </a:r>
-            <a:endParaRPr lang="en-US" sz="2400" dirty="0">
-              <a:latin typeface="Constantia" panose="02030602050306030303" pitchFamily="18" charset="0"/>
-            </a:endParaRPr>
-          </a:p>
-        </p:txBody>
-      </p:sp>
-      <p:sp>
-        <p:nvSpPr>
-          <p:cNvPr id="13" name="ZoneTexte 12"/>
+              <a:rPr lang="fr-SN" sz="2400" dirty="0">
+                <a:latin typeface="Constantia" panose="02030602050306030303" pitchFamily="18" charset="0"/>
+              </a:rPr>
+              <a:t>Gestion du focus et de la sélection</a:t>
+            </a:r>
+          </a:p>
+        </p:txBody>
+      </p:sp>
+      <p:sp>
+        <p:nvSpPr>
+          <p:cNvPr id="11" name="ZoneTexte 10">
+            <a:extLst>
+              <a:ext uri="{FF2B5EF4-FFF2-40B4-BE49-F238E27FC236}">
+                <a16:creationId xmlns:a16="http://schemas.microsoft.com/office/drawing/2014/main" id="{7CC07B55-AEA8-B7AA-4413-F9AF3C0F06E6}"/>
+              </a:ext>
+            </a:extLst>
+          </p:cNvPr>
           <p:cNvSpPr txBox="1"/>
           <p:nvPr/>
         </p:nvSpPr>
         <p:spPr>
           <a:xfrm>
-            <a:off x="2125967" y="5388706"/>
-            <a:ext cx="3892736" cy="461665"/>
+            <a:off x="2772585" y="5689574"/>
+            <a:ext cx="5917481" cy="461665"/>
           </a:xfrm>
           <a:prstGeom prst="rect">
             <a:avLst/>
@@ -10997,354 +11036,22 @@
           <a:lstStyle/>
           <a:p>
             <a:pPr marL="342900" indent="-342900">
-              <a:buFont typeface="Arial" panose="020B0604020202020204" pitchFamily="34" charset="0"/>
-              <a:buChar char="•"/>
+              <a:buFont typeface="Wingdings" panose="05000000000000000000" pitchFamily="2" charset="2"/>
+              <a:buChar char="Ø"/>
             </a:pPr>
             <a:r>
               <a:rPr lang="fr-SN" sz="2400" dirty="0">
                 <a:latin typeface="Constantia" panose="02030602050306030303" pitchFamily="18" charset="0"/>
               </a:rPr>
-              <a:t>el</a:t>
-            </a:r>
-            <a:r>
-              <a:rPr lang="en-US" sz="2400" dirty="0"/>
-              <a:t>.</a:t>
-            </a:r>
-            <a:r>
-              <a:rPr lang="en-US" sz="2400" dirty="0" err="1"/>
-              <a:t>innerHTML</a:t>
-            </a:r>
-            <a:r>
-              <a:rPr lang="en-US" sz="2400" dirty="0"/>
-              <a:t> </a:t>
-            </a:r>
-            <a:endParaRPr lang="en-US" sz="2400" dirty="0">
-              <a:latin typeface="Constantia" panose="02030602050306030303" pitchFamily="18" charset="0"/>
-            </a:endParaRPr>
-          </a:p>
-        </p:txBody>
-      </p:sp>
-      <p:sp>
-        <p:nvSpPr>
-          <p:cNvPr id="16" name="ZoneTexte 15"/>
-          <p:cNvSpPr txBox="1"/>
-          <p:nvPr/>
-        </p:nvSpPr>
-        <p:spPr>
-          <a:xfrm>
-            <a:off x="6275601" y="1878120"/>
-            <a:ext cx="3892736" cy="461665"/>
-          </a:xfrm>
-          <a:prstGeom prst="rect">
-            <a:avLst/>
-          </a:prstGeom>
-          <a:noFill/>
-        </p:spPr>
-        <p:txBody>
-          <a:bodyPr wrap="square" rtlCol="0">
-            <a:spAutoFit/>
-          </a:bodyPr>
-          <a:lstStyle/>
-          <a:p>
-            <a:pPr marL="342900" indent="-342900">
-              <a:buFont typeface="Arial" panose="020B0604020202020204" pitchFamily="34" charset="0"/>
-              <a:buChar char="•"/>
-            </a:pPr>
-            <a:r>
-              <a:rPr lang="fr-SN" sz="2400" dirty="0">
-                <a:latin typeface="Constantia" panose="02030602050306030303" pitchFamily="18" charset="0"/>
-              </a:rPr>
-              <a:t>el.</a:t>
-            </a:r>
-            <a:r>
-              <a:rPr lang="en-US" sz="2400" dirty="0" err="1"/>
-              <a:t>innerText</a:t>
-            </a:r>
-            <a:endParaRPr lang="en-US" sz="2400" dirty="0">
-              <a:latin typeface="Constantia" panose="02030602050306030303" pitchFamily="18" charset="0"/>
-            </a:endParaRPr>
-          </a:p>
-        </p:txBody>
-      </p:sp>
-      <p:sp>
-        <p:nvSpPr>
-          <p:cNvPr id="17" name="ZoneTexte 16"/>
-          <p:cNvSpPr txBox="1"/>
-          <p:nvPr/>
-        </p:nvSpPr>
-        <p:spPr>
-          <a:xfrm>
-            <a:off x="6275600" y="2469458"/>
-            <a:ext cx="4422879" cy="461665"/>
-          </a:xfrm>
-          <a:prstGeom prst="rect">
-            <a:avLst/>
-          </a:prstGeom>
-          <a:noFill/>
-        </p:spPr>
-        <p:txBody>
-          <a:bodyPr wrap="square" rtlCol="0">
-            <a:spAutoFit/>
-          </a:bodyPr>
-          <a:lstStyle/>
-          <a:p>
-            <a:pPr marL="342900" indent="-342900">
-              <a:buFont typeface="Arial" panose="020B0604020202020204" pitchFamily="34" charset="0"/>
-              <a:buChar char="•"/>
-            </a:pPr>
-            <a:r>
-              <a:rPr lang="en-US" sz="2400" dirty="0" err="1">
-                <a:latin typeface="Constantia" panose="02030602050306030303" pitchFamily="18" charset="0"/>
-              </a:rPr>
-              <a:t>el</a:t>
-            </a:r>
-            <a:r>
-              <a:rPr lang="en-US" sz="2400" dirty="0" err="1"/>
-              <a:t>.parentNode</a:t>
-            </a:r>
-            <a:r>
-              <a:rPr lang="en-US" sz="2400" dirty="0"/>
-              <a:t>, </a:t>
-            </a:r>
-            <a:r>
-              <a:rPr lang="en-US" sz="2400" dirty="0" err="1"/>
-              <a:t>parentName</a:t>
-            </a:r>
-            <a:endParaRPr lang="en-US" sz="2400" dirty="0">
-              <a:latin typeface="Constantia" panose="02030602050306030303" pitchFamily="18" charset="0"/>
-            </a:endParaRPr>
-          </a:p>
-        </p:txBody>
-      </p:sp>
-      <p:sp>
-        <p:nvSpPr>
-          <p:cNvPr id="18" name="ZoneTexte 17"/>
-          <p:cNvSpPr txBox="1"/>
-          <p:nvPr/>
-        </p:nvSpPr>
-        <p:spPr>
-          <a:xfrm>
-            <a:off x="6275600" y="3060796"/>
-            <a:ext cx="5916400" cy="461665"/>
-          </a:xfrm>
-          <a:prstGeom prst="rect">
-            <a:avLst/>
-          </a:prstGeom>
-          <a:noFill/>
-        </p:spPr>
-        <p:txBody>
-          <a:bodyPr wrap="square" rtlCol="0">
-            <a:spAutoFit/>
-          </a:bodyPr>
-          <a:lstStyle/>
-          <a:p>
-            <a:pPr marL="342900" indent="-342900">
-              <a:buFont typeface="Arial" panose="020B0604020202020204" pitchFamily="34" charset="0"/>
-              <a:buChar char="•"/>
-            </a:pPr>
-            <a:r>
-              <a:rPr lang="en-US" sz="2400" dirty="0" err="1"/>
-              <a:t>el.firstChild</a:t>
-            </a:r>
-            <a:r>
-              <a:rPr lang="en-US" sz="2400" dirty="0"/>
-              <a:t> </a:t>
-            </a:r>
-            <a:r>
-              <a:rPr lang="en-US" sz="2400" dirty="0" err="1"/>
-              <a:t>el.lastChild</a:t>
-            </a:r>
-            <a:r>
-              <a:rPr lang="en-US" sz="2400" dirty="0"/>
-              <a:t>, </a:t>
-            </a:r>
-            <a:r>
-              <a:rPr lang="en-US" sz="2400" dirty="0" err="1"/>
-              <a:t>nodeValue</a:t>
-            </a:r>
-            <a:r>
-              <a:rPr lang="en-US" sz="2400" dirty="0"/>
-              <a:t>, data</a:t>
-            </a:r>
-            <a:endParaRPr lang="en-US" sz="2400" dirty="0">
-              <a:latin typeface="Constantia" panose="02030602050306030303" pitchFamily="18" charset="0"/>
-            </a:endParaRPr>
-          </a:p>
-        </p:txBody>
-      </p:sp>
-      <p:sp>
-        <p:nvSpPr>
-          <p:cNvPr id="19" name="ZoneTexte 18"/>
-          <p:cNvSpPr txBox="1"/>
-          <p:nvPr/>
-        </p:nvSpPr>
-        <p:spPr>
-          <a:xfrm>
-            <a:off x="6275601" y="3625217"/>
-            <a:ext cx="4736388" cy="461665"/>
-          </a:xfrm>
-          <a:prstGeom prst="rect">
-            <a:avLst/>
-          </a:prstGeom>
-          <a:noFill/>
-        </p:spPr>
-        <p:txBody>
-          <a:bodyPr wrap="square" rtlCol="0">
-            <a:spAutoFit/>
-          </a:bodyPr>
-          <a:lstStyle/>
-          <a:p>
-            <a:pPr marL="342900" indent="-342900">
-              <a:buFont typeface="Arial" panose="020B0604020202020204" pitchFamily="34" charset="0"/>
-              <a:buChar char="•"/>
-            </a:pPr>
-            <a:r>
-              <a:rPr lang="en-US" sz="2400" dirty="0" err="1"/>
-              <a:t>el.nextSibling</a:t>
-            </a:r>
-            <a:r>
-              <a:rPr lang="en-US" sz="2400" dirty="0"/>
-              <a:t> et </a:t>
-            </a:r>
-            <a:r>
-              <a:rPr lang="en-US" sz="2400" dirty="0" err="1"/>
-              <a:t>previousSibling</a:t>
-            </a:r>
-            <a:endParaRPr lang="en-US" sz="2400" dirty="0">
-              <a:latin typeface="Constantia" panose="02030602050306030303" pitchFamily="18" charset="0"/>
-            </a:endParaRPr>
-          </a:p>
-        </p:txBody>
-      </p:sp>
-      <p:sp>
-        <p:nvSpPr>
-          <p:cNvPr id="20" name="ZoneTexte 19"/>
-          <p:cNvSpPr txBox="1"/>
-          <p:nvPr/>
-        </p:nvSpPr>
-        <p:spPr>
-          <a:xfrm>
-            <a:off x="6275601" y="4289589"/>
-            <a:ext cx="3892736" cy="461665"/>
-          </a:xfrm>
-          <a:prstGeom prst="rect">
-            <a:avLst/>
-          </a:prstGeom>
-          <a:noFill/>
-        </p:spPr>
-        <p:txBody>
-          <a:bodyPr wrap="square" rtlCol="0">
-            <a:spAutoFit/>
-          </a:bodyPr>
-          <a:lstStyle/>
-          <a:p>
-            <a:pPr marL="342900" indent="-342900">
-              <a:buFont typeface="Arial" panose="020B0604020202020204" pitchFamily="34" charset="0"/>
-              <a:buChar char="•"/>
-            </a:pPr>
-            <a:r>
-              <a:rPr lang="en-US" sz="2400" dirty="0" err="1"/>
-              <a:t>createElement</a:t>
-            </a:r>
-            <a:r>
-              <a:rPr lang="en-US" sz="2400" dirty="0"/>
-              <a:t>()</a:t>
-            </a:r>
-            <a:endParaRPr lang="en-US" sz="2400" dirty="0">
-              <a:latin typeface="Constantia" panose="02030602050306030303" pitchFamily="18" charset="0"/>
-            </a:endParaRPr>
-          </a:p>
-        </p:txBody>
-      </p:sp>
-      <p:sp>
-        <p:nvSpPr>
-          <p:cNvPr id="21" name="ZoneTexte 20"/>
-          <p:cNvSpPr txBox="1"/>
-          <p:nvPr/>
-        </p:nvSpPr>
-        <p:spPr>
-          <a:xfrm>
-            <a:off x="6275601" y="4822330"/>
-            <a:ext cx="5108016" cy="461665"/>
-          </a:xfrm>
-          <a:prstGeom prst="rect">
-            <a:avLst/>
-          </a:prstGeom>
-          <a:noFill/>
-        </p:spPr>
-        <p:txBody>
-          <a:bodyPr wrap="square" rtlCol="0">
-            <a:spAutoFit/>
-          </a:bodyPr>
-          <a:lstStyle/>
-          <a:p>
-            <a:pPr marL="342900" indent="-342900">
-              <a:buFont typeface="Arial" panose="020B0604020202020204" pitchFamily="34" charset="0"/>
-              <a:buChar char="•"/>
-            </a:pPr>
-            <a:r>
-              <a:rPr lang="en-US" sz="2400" dirty="0" err="1"/>
-              <a:t>el.appendChild</a:t>
-            </a:r>
-            <a:r>
-              <a:rPr lang="en-US" sz="2400" dirty="0"/>
-              <a:t>(), </a:t>
-            </a:r>
-            <a:r>
-              <a:rPr lang="en-US" sz="2400" dirty="0" err="1"/>
-              <a:t>el.insertBefore</a:t>
-            </a:r>
-            <a:r>
-              <a:rPr lang="en-US" sz="2400" dirty="0"/>
-              <a:t>()</a:t>
-            </a:r>
-          </a:p>
-        </p:txBody>
-      </p:sp>
-      <p:sp>
-        <p:nvSpPr>
-          <p:cNvPr id="22" name="ZoneTexte 21"/>
-          <p:cNvSpPr txBox="1"/>
-          <p:nvPr/>
-        </p:nvSpPr>
-        <p:spPr>
-          <a:xfrm>
-            <a:off x="6275601" y="5388706"/>
-            <a:ext cx="3892736" cy="461665"/>
-          </a:xfrm>
-          <a:prstGeom prst="rect">
-            <a:avLst/>
-          </a:prstGeom>
-          <a:noFill/>
-        </p:spPr>
-        <p:txBody>
-          <a:bodyPr wrap="square" rtlCol="0">
-            <a:spAutoFit/>
-          </a:bodyPr>
-          <a:lstStyle/>
-          <a:p>
-            <a:pPr marL="342900" indent="-342900">
-              <a:buFont typeface="Arial" panose="020B0604020202020204" pitchFamily="34" charset="0"/>
-              <a:buChar char="•"/>
-            </a:pPr>
-            <a:r>
-              <a:rPr lang="en-US" sz="2400" dirty="0" err="1"/>
-              <a:t>createTextNode</a:t>
-            </a:r>
-            <a:r>
-              <a:rPr lang="en-US" sz="2400" dirty="0"/>
-              <a:t>()</a:t>
-            </a:r>
-            <a:endParaRPr lang="en-US" sz="2400" dirty="0">
-              <a:latin typeface="Constantia" panose="02030602050306030303" pitchFamily="18" charset="0"/>
-            </a:endParaRPr>
+              <a:t>Évènement change</a:t>
+            </a:r>
           </a:p>
         </p:txBody>
       </p:sp>
     </p:spTree>
     <p:extLst>
       <p:ext uri="{BB962C8B-B14F-4D97-AF65-F5344CB8AC3E}">
-        <p14:creationId xmlns:p14="http://schemas.microsoft.com/office/powerpoint/2010/main" val="786442619"/>
+        <p14:creationId xmlns:p14="http://schemas.microsoft.com/office/powerpoint/2010/main" val="3914299587"/>
       </p:ext>
     </p:extLst>
   </p:cSld>
@@ -11353,8 +11060,8 @@
   </p:clrMapOvr>
   <mc:AlternateContent xmlns:mc="http://schemas.openxmlformats.org/markup-compatibility/2006" xmlns:p14="http://schemas.microsoft.com/office/powerpoint/2010/main">
     <mc:Choice Requires="p14">
-      <p:transition spd="slow" p14:dur="4400">
-        <p14:honeycomb/>
+      <p:transition spd="slow" p14:dur="3000">
+        <p14:shred/>
       </p:transition>
     </mc:Choice>
     <mc:Fallback xmlns="">
@@ -11384,7 +11091,7 @@
                             </p:stCondLst>
                             <p:childTnLst>
                               <p:par>
-                                <p:cTn id="5" presetID="42" presetClass="entr" presetSubtype="0" fill="hold" grpId="0" nodeType="clickEffect">
+                                <p:cTn id="5" presetID="2" presetClass="entr" presetSubtype="4" fill="hold" grpId="0" nodeType="clickEffect">
                                   <p:stCondLst>
                                     <p:cond delay="0"/>
                                   </p:stCondLst>
@@ -11407,17 +11114,9 @@
                                         <p:strVal val="visible"/>
                                       </p:to>
                                     </p:set>
-                                    <p:animEffect transition="in" filter="fade">
-                                      <p:cBhvr>
-                                        <p:cTn id="7" dur="1000"/>
-                                        <p:tgtEl>
-                                          <p:spTgt spid="6"/>
-                                        </p:tgtEl>
-                                      </p:cBhvr>
-                                    </p:animEffect>
                                     <p:anim calcmode="lin" valueType="num">
-                                      <p:cBhvr>
-                                        <p:cTn id="8" dur="1000" fill="hold"/>
+                                      <p:cBhvr additive="base">
+                                        <p:cTn id="7" dur="500" fill="hold"/>
                                         <p:tgtEl>
                                           <p:spTgt spid="6"/>
                                         </p:tgtEl>
@@ -11439,8 +11138,8 @@
                                       </p:tavLst>
                                     </p:anim>
                                     <p:anim calcmode="lin" valueType="num">
-                                      <p:cBhvr>
-                                        <p:cTn id="9" dur="1000" fill="hold"/>
+                                      <p:cBhvr additive="base">
+                                        <p:cTn id="8" dur="500" fill="hold"/>
                                         <p:tgtEl>
                                           <p:spTgt spid="6"/>
                                         </p:tgtEl>
@@ -11451,7 +11150,7 @@
                                       <p:tavLst>
                                         <p:tav tm="0">
                                           <p:val>
-                                            <p:strVal val="#ppt_y+.1"/>
+                                            <p:strVal val="1+#ppt_h/2"/>
                                           </p:val>
                                         </p:tav>
                                         <p:tav tm="100000">
@@ -11471,26 +11170,26 @@
                     </p:cTn>
                   </p:par>
                   <p:par>
-                    <p:cTn id="10" fill="hold">
+                    <p:cTn id="9" fill="hold">
                       <p:stCondLst>
                         <p:cond delay="indefinite"/>
                       </p:stCondLst>
                       <p:childTnLst>
                         <p:par>
-                          <p:cTn id="11" fill="hold">
+                          <p:cTn id="10" fill="hold">
                             <p:stCondLst>
                               <p:cond delay="0"/>
                             </p:stCondLst>
                             <p:childTnLst>
                               <p:par>
-                                <p:cTn id="12" presetID="42" presetClass="entr" presetSubtype="0" fill="hold" grpId="0" nodeType="clickEffect">
+                                <p:cTn id="11" presetID="42" presetClass="entr" presetSubtype="0" fill="hold" grpId="0" nodeType="clickEffect">
                                   <p:stCondLst>
                                     <p:cond delay="0"/>
                                   </p:stCondLst>
                                   <p:childTnLst>
                                     <p:set>
                                       <p:cBhvr>
-                                        <p:cTn id="13" dur="1" fill="hold">
+                                        <p:cTn id="12" dur="1" fill="hold">
                                           <p:stCondLst>
                                             <p:cond delay="0"/>
                                           </p:stCondLst>
@@ -11508,7 +11207,7 @@
                                     </p:set>
                                     <p:animEffect transition="in" filter="fade">
                                       <p:cBhvr>
-                                        <p:cTn id="14" dur="1000"/>
+                                        <p:cTn id="13" dur="1000"/>
                                         <p:tgtEl>
                                           <p:spTgt spid="15"/>
                                         </p:tgtEl>
@@ -11516,7 +11215,7 @@
                                     </p:animEffect>
                                     <p:anim calcmode="lin" valueType="num">
                                       <p:cBhvr>
-                                        <p:cTn id="15" dur="1000" fill="hold"/>
+                                        <p:cTn id="14" dur="1000" fill="hold"/>
                                         <p:tgtEl>
                                           <p:spTgt spid="15"/>
                                         </p:tgtEl>
@@ -11539,1296 +11238,9 @@
                                     </p:anim>
                                     <p:anim calcmode="lin" valueType="num">
                                       <p:cBhvr>
-                                        <p:cTn id="16" dur="1000" fill="hold"/>
+                                        <p:cTn id="15" dur="1000" fill="hold"/>
                                         <p:tgtEl>
                                           <p:spTgt spid="15"/>
-                                        </p:tgtEl>
-                                        <p:attrNameLst>
-                                          <p:attrName>ppt_y</p:attrName>
-                                        </p:attrNameLst>
-                                      </p:cBhvr>
-                                      <p:tavLst>
-                                        <p:tav tm="0">
-                                          <p:val>
-                                            <p:strVal val="#ppt_y+.1"/>
-                                          </p:val>
-                                        </p:tav>
-                                        <p:tav tm="100000">
-                                          <p:val>
-                                            <p:strVal val="#ppt_y"/>
-                                          </p:val>
-                                        </p:tav>
-                                      </p:tavLst>
-                                    </p:anim>
-                                  </p:childTnLst>
-                                </p:cTn>
-                              </p:par>
-                            </p:childTnLst>
-                          </p:cTn>
-                        </p:par>
-                      </p:childTnLst>
-                    </p:cTn>
-                  </p:par>
-                  <p:par>
-                    <p:cTn id="17" fill="hold">
-                      <p:stCondLst>
-                        <p:cond delay="indefinite"/>
-                      </p:stCondLst>
-                      <p:childTnLst>
-                        <p:par>
-                          <p:cTn id="18" fill="hold">
-                            <p:stCondLst>
-                              <p:cond delay="0"/>
-                            </p:stCondLst>
-                            <p:childTnLst>
-                              <p:par>
-                                <p:cTn id="19" presetID="42" presetClass="entr" presetSubtype="0" fill="hold" grpId="0" nodeType="clickEffect">
-                                  <p:stCondLst>
-                                    <p:cond delay="0"/>
-                                  </p:stCondLst>
-                                  <p:childTnLst>
-                                    <p:set>
-                                      <p:cBhvr>
-                                        <p:cTn id="20" dur="1" fill="hold">
-                                          <p:stCondLst>
-                                            <p:cond delay="0"/>
-                                          </p:stCondLst>
-                                        </p:cTn>
-                                        <p:tgtEl>
-                                          <p:spTgt spid="8"/>
-                                        </p:tgtEl>
-                                        <p:attrNameLst>
-                                          <p:attrName>style.visibility</p:attrName>
-                                        </p:attrNameLst>
-                                      </p:cBhvr>
-                                      <p:to>
-                                        <p:strVal val="visible"/>
-                                      </p:to>
-                                    </p:set>
-                                    <p:animEffect transition="in" filter="fade">
-                                      <p:cBhvr>
-                                        <p:cTn id="21" dur="1000"/>
-                                        <p:tgtEl>
-                                          <p:spTgt spid="8"/>
-                                        </p:tgtEl>
-                                      </p:cBhvr>
-                                    </p:animEffect>
-                                    <p:anim calcmode="lin" valueType="num">
-                                      <p:cBhvr>
-                                        <p:cTn id="22" dur="1000" fill="hold"/>
-                                        <p:tgtEl>
-                                          <p:spTgt spid="8"/>
-                                        </p:tgtEl>
-                                        <p:attrNameLst>
-                                          <p:attrName>ppt_x</p:attrName>
-                                        </p:attrNameLst>
-                                      </p:cBhvr>
-                                      <p:tavLst>
-                                        <p:tav tm="0">
-                                          <p:val>
-                                            <p:strVal val="#ppt_x"/>
-                                          </p:val>
-                                        </p:tav>
-                                        <p:tav tm="100000">
-                                          <p:val>
-                                            <p:strVal val="#ppt_x"/>
-                                          </p:val>
-                                        </p:tav>
-                                      </p:tavLst>
-                                    </p:anim>
-                                    <p:anim calcmode="lin" valueType="num">
-                                      <p:cBhvr>
-                                        <p:cTn id="23" dur="1000" fill="hold"/>
-                                        <p:tgtEl>
-                                          <p:spTgt spid="8"/>
-                                        </p:tgtEl>
-                                        <p:attrNameLst>
-                                          <p:attrName>ppt_y</p:attrName>
-                                        </p:attrNameLst>
-                                      </p:cBhvr>
-                                      <p:tavLst>
-                                        <p:tav tm="0">
-                                          <p:val>
-                                            <p:strVal val="#ppt_y+.1"/>
-                                          </p:val>
-                                        </p:tav>
-                                        <p:tav tm="100000">
-                                          <p:val>
-                                            <p:strVal val="#ppt_y"/>
-                                          </p:val>
-                                        </p:tav>
-                                      </p:tavLst>
-                                    </p:anim>
-                                  </p:childTnLst>
-                                </p:cTn>
-                              </p:par>
-                            </p:childTnLst>
-                          </p:cTn>
-                        </p:par>
-                      </p:childTnLst>
-                    </p:cTn>
-                  </p:par>
-                  <p:par>
-                    <p:cTn id="24" fill="hold">
-                      <p:stCondLst>
-                        <p:cond delay="indefinite"/>
-                      </p:stCondLst>
-                      <p:childTnLst>
-                        <p:par>
-                          <p:cTn id="25" fill="hold">
-                            <p:stCondLst>
-                              <p:cond delay="0"/>
-                            </p:stCondLst>
-                            <p:childTnLst>
-                              <p:par>
-                                <p:cTn id="26" presetID="42" presetClass="entr" presetSubtype="0" fill="hold" grpId="0" nodeType="clickEffect">
-                                  <p:stCondLst>
-                                    <p:cond delay="0"/>
-                                  </p:stCondLst>
-                                  <p:childTnLst>
-                                    <p:set>
-                                      <p:cBhvr>
-                                        <p:cTn id="27" dur="1" fill="hold">
-                                          <p:stCondLst>
-                                            <p:cond delay="0"/>
-                                          </p:stCondLst>
-                                        </p:cTn>
-                                        <p:tgtEl>
-                                          <p:spTgt spid="9"/>
-                                        </p:tgtEl>
-                                        <p:attrNameLst>
-                                          <p:attrName>style.visibility</p:attrName>
-                                        </p:attrNameLst>
-                                      </p:cBhvr>
-                                      <p:to>
-                                        <p:strVal val="visible"/>
-                                      </p:to>
-                                    </p:set>
-                                    <p:animEffect transition="in" filter="fade">
-                                      <p:cBhvr>
-                                        <p:cTn id="28" dur="1000"/>
-                                        <p:tgtEl>
-                                          <p:spTgt spid="9"/>
-                                        </p:tgtEl>
-                                      </p:cBhvr>
-                                    </p:animEffect>
-                                    <p:anim calcmode="lin" valueType="num">
-                                      <p:cBhvr>
-                                        <p:cTn id="29" dur="1000" fill="hold"/>
-                                        <p:tgtEl>
-                                          <p:spTgt spid="9"/>
-                                        </p:tgtEl>
-                                        <p:attrNameLst>
-                                          <p:attrName>ppt_x</p:attrName>
-                                        </p:attrNameLst>
-                                      </p:cBhvr>
-                                      <p:tavLst>
-                                        <p:tav tm="0">
-                                          <p:val>
-                                            <p:strVal val="#ppt_x"/>
-                                          </p:val>
-                                        </p:tav>
-                                        <p:tav tm="100000">
-                                          <p:val>
-                                            <p:strVal val="#ppt_x"/>
-                                          </p:val>
-                                        </p:tav>
-                                      </p:tavLst>
-                                    </p:anim>
-                                    <p:anim calcmode="lin" valueType="num">
-                                      <p:cBhvr>
-                                        <p:cTn id="30" dur="1000" fill="hold"/>
-                                        <p:tgtEl>
-                                          <p:spTgt spid="9"/>
-                                        </p:tgtEl>
-                                        <p:attrNameLst>
-                                          <p:attrName>ppt_y</p:attrName>
-                                        </p:attrNameLst>
-                                      </p:cBhvr>
-                                      <p:tavLst>
-                                        <p:tav tm="0">
-                                          <p:val>
-                                            <p:strVal val="#ppt_y+.1"/>
-                                          </p:val>
-                                        </p:tav>
-                                        <p:tav tm="100000">
-                                          <p:val>
-                                            <p:strVal val="#ppt_y"/>
-                                          </p:val>
-                                        </p:tav>
-                                      </p:tavLst>
-                                    </p:anim>
-                                  </p:childTnLst>
-                                </p:cTn>
-                              </p:par>
-                            </p:childTnLst>
-                          </p:cTn>
-                        </p:par>
-                      </p:childTnLst>
-                    </p:cTn>
-                  </p:par>
-                  <p:par>
-                    <p:cTn id="31" fill="hold">
-                      <p:stCondLst>
-                        <p:cond delay="indefinite"/>
-                      </p:stCondLst>
-                      <p:childTnLst>
-                        <p:par>
-                          <p:cTn id="32" fill="hold">
-                            <p:stCondLst>
-                              <p:cond delay="0"/>
-                            </p:stCondLst>
-                            <p:childTnLst>
-                              <p:par>
-                                <p:cTn id="33" presetID="42" presetClass="entr" presetSubtype="0" fill="hold" grpId="0" nodeType="clickEffect">
-                                  <p:stCondLst>
-                                    <p:cond delay="0"/>
-                                  </p:stCondLst>
-                                  <p:childTnLst>
-                                    <p:set>
-                                      <p:cBhvr>
-                                        <p:cTn id="34" dur="1" fill="hold">
-                                          <p:stCondLst>
-                                            <p:cond delay="0"/>
-                                          </p:stCondLst>
-                                        </p:cTn>
-                                        <p:tgtEl>
-                                          <p:spTgt spid="10"/>
-                                        </p:tgtEl>
-                                        <p:attrNameLst>
-                                          <p:attrName>style.visibility</p:attrName>
-                                        </p:attrNameLst>
-                                      </p:cBhvr>
-                                      <p:to>
-                                        <p:strVal val="visible"/>
-                                      </p:to>
-                                    </p:set>
-                                    <p:animEffect transition="in" filter="fade">
-                                      <p:cBhvr>
-                                        <p:cTn id="35" dur="1000"/>
-                                        <p:tgtEl>
-                                          <p:spTgt spid="10"/>
-                                        </p:tgtEl>
-                                      </p:cBhvr>
-                                    </p:animEffect>
-                                    <p:anim calcmode="lin" valueType="num">
-                                      <p:cBhvr>
-                                        <p:cTn id="36" dur="1000" fill="hold"/>
-                                        <p:tgtEl>
-                                          <p:spTgt spid="10"/>
-                                        </p:tgtEl>
-                                        <p:attrNameLst>
-                                          <p:attrName>ppt_x</p:attrName>
-                                        </p:attrNameLst>
-                                      </p:cBhvr>
-                                      <p:tavLst>
-                                        <p:tav tm="0">
-                                          <p:val>
-                                            <p:strVal val="#ppt_x"/>
-                                          </p:val>
-                                        </p:tav>
-                                        <p:tav tm="100000">
-                                          <p:val>
-                                            <p:strVal val="#ppt_x"/>
-                                          </p:val>
-                                        </p:tav>
-                                      </p:tavLst>
-                                    </p:anim>
-                                    <p:anim calcmode="lin" valueType="num">
-                                      <p:cBhvr>
-                                        <p:cTn id="37" dur="1000" fill="hold"/>
-                                        <p:tgtEl>
-                                          <p:spTgt spid="10"/>
-                                        </p:tgtEl>
-                                        <p:attrNameLst>
-                                          <p:attrName>ppt_y</p:attrName>
-                                        </p:attrNameLst>
-                                      </p:cBhvr>
-                                      <p:tavLst>
-                                        <p:tav tm="0">
-                                          <p:val>
-                                            <p:strVal val="#ppt_y+.1"/>
-                                          </p:val>
-                                        </p:tav>
-                                        <p:tav tm="100000">
-                                          <p:val>
-                                            <p:strVal val="#ppt_y"/>
-                                          </p:val>
-                                        </p:tav>
-                                      </p:tavLst>
-                                    </p:anim>
-                                  </p:childTnLst>
-                                </p:cTn>
-                              </p:par>
-                            </p:childTnLst>
-                          </p:cTn>
-                        </p:par>
-                      </p:childTnLst>
-                    </p:cTn>
-                  </p:par>
-                  <p:par>
-                    <p:cTn id="38" fill="hold">
-                      <p:stCondLst>
-                        <p:cond delay="indefinite"/>
-                      </p:stCondLst>
-                      <p:childTnLst>
-                        <p:par>
-                          <p:cTn id="39" fill="hold">
-                            <p:stCondLst>
-                              <p:cond delay="0"/>
-                            </p:stCondLst>
-                            <p:childTnLst>
-                              <p:par>
-                                <p:cTn id="40" presetID="42" presetClass="entr" presetSubtype="0" fill="hold" grpId="0" nodeType="clickEffect">
-                                  <p:stCondLst>
-                                    <p:cond delay="0"/>
-                                  </p:stCondLst>
-                                  <p:childTnLst>
-                                    <p:set>
-                                      <p:cBhvr>
-                                        <p:cTn id="41" dur="1" fill="hold">
-                                          <p:stCondLst>
-                                            <p:cond delay="0"/>
-                                          </p:stCondLst>
-                                        </p:cTn>
-                                        <p:tgtEl>
-                                          <p:spTgt spid="11"/>
-                                        </p:tgtEl>
-                                        <p:attrNameLst>
-                                          <p:attrName>style.visibility</p:attrName>
-                                        </p:attrNameLst>
-                                      </p:cBhvr>
-                                      <p:to>
-                                        <p:strVal val="visible"/>
-                                      </p:to>
-                                    </p:set>
-                                    <p:animEffect transition="in" filter="fade">
-                                      <p:cBhvr>
-                                        <p:cTn id="42" dur="1000"/>
-                                        <p:tgtEl>
-                                          <p:spTgt spid="11"/>
-                                        </p:tgtEl>
-                                      </p:cBhvr>
-                                    </p:animEffect>
-                                    <p:anim calcmode="lin" valueType="num">
-                                      <p:cBhvr>
-                                        <p:cTn id="43" dur="1000" fill="hold"/>
-                                        <p:tgtEl>
-                                          <p:spTgt spid="11"/>
-                                        </p:tgtEl>
-                                        <p:attrNameLst>
-                                          <p:attrName>ppt_x</p:attrName>
-                                        </p:attrNameLst>
-                                      </p:cBhvr>
-                                      <p:tavLst>
-                                        <p:tav tm="0">
-                                          <p:val>
-                                            <p:strVal val="#ppt_x"/>
-                                          </p:val>
-                                        </p:tav>
-                                        <p:tav tm="100000">
-                                          <p:val>
-                                            <p:strVal val="#ppt_x"/>
-                                          </p:val>
-                                        </p:tav>
-                                      </p:tavLst>
-                                    </p:anim>
-                                    <p:anim calcmode="lin" valueType="num">
-                                      <p:cBhvr>
-                                        <p:cTn id="44" dur="1000" fill="hold"/>
-                                        <p:tgtEl>
-                                          <p:spTgt spid="11"/>
-                                        </p:tgtEl>
-                                        <p:attrNameLst>
-                                          <p:attrName>ppt_y</p:attrName>
-                                        </p:attrNameLst>
-                                      </p:cBhvr>
-                                      <p:tavLst>
-                                        <p:tav tm="0">
-                                          <p:val>
-                                            <p:strVal val="#ppt_y+.1"/>
-                                          </p:val>
-                                        </p:tav>
-                                        <p:tav tm="100000">
-                                          <p:val>
-                                            <p:strVal val="#ppt_y"/>
-                                          </p:val>
-                                        </p:tav>
-                                      </p:tavLst>
-                                    </p:anim>
-                                  </p:childTnLst>
-                                </p:cTn>
-                              </p:par>
-                            </p:childTnLst>
-                          </p:cTn>
-                        </p:par>
-                      </p:childTnLst>
-                    </p:cTn>
-                  </p:par>
-                  <p:par>
-                    <p:cTn id="45" fill="hold">
-                      <p:stCondLst>
-                        <p:cond delay="indefinite"/>
-                      </p:stCondLst>
-                      <p:childTnLst>
-                        <p:par>
-                          <p:cTn id="46" fill="hold">
-                            <p:stCondLst>
-                              <p:cond delay="0"/>
-                            </p:stCondLst>
-                            <p:childTnLst>
-                              <p:par>
-                                <p:cTn id="47" presetID="42" presetClass="entr" presetSubtype="0" fill="hold" grpId="0" nodeType="clickEffect">
-                                  <p:stCondLst>
-                                    <p:cond delay="0"/>
-                                  </p:stCondLst>
-                                  <p:childTnLst>
-                                    <p:set>
-                                      <p:cBhvr>
-                                        <p:cTn id="48" dur="1" fill="hold">
-                                          <p:stCondLst>
-                                            <p:cond delay="0"/>
-                                          </p:stCondLst>
-                                        </p:cTn>
-                                        <p:tgtEl>
-                                          <p:spTgt spid="12"/>
-                                        </p:tgtEl>
-                                        <p:attrNameLst>
-                                          <p:attrName>style.visibility</p:attrName>
-                                        </p:attrNameLst>
-                                      </p:cBhvr>
-                                      <p:to>
-                                        <p:strVal val="visible"/>
-                                      </p:to>
-                                    </p:set>
-                                    <p:animEffect transition="in" filter="fade">
-                                      <p:cBhvr>
-                                        <p:cTn id="49" dur="1000"/>
-                                        <p:tgtEl>
-                                          <p:spTgt spid="12"/>
-                                        </p:tgtEl>
-                                      </p:cBhvr>
-                                    </p:animEffect>
-                                    <p:anim calcmode="lin" valueType="num">
-                                      <p:cBhvr>
-                                        <p:cTn id="50" dur="1000" fill="hold"/>
-                                        <p:tgtEl>
-                                          <p:spTgt spid="12"/>
-                                        </p:tgtEl>
-                                        <p:attrNameLst>
-                                          <p:attrName>ppt_x</p:attrName>
-                                        </p:attrNameLst>
-                                      </p:cBhvr>
-                                      <p:tavLst>
-                                        <p:tav tm="0">
-                                          <p:val>
-                                            <p:strVal val="#ppt_x"/>
-                                          </p:val>
-                                        </p:tav>
-                                        <p:tav tm="100000">
-                                          <p:val>
-                                            <p:strVal val="#ppt_x"/>
-                                          </p:val>
-                                        </p:tav>
-                                      </p:tavLst>
-                                    </p:anim>
-                                    <p:anim calcmode="lin" valueType="num">
-                                      <p:cBhvr>
-                                        <p:cTn id="51" dur="1000" fill="hold"/>
-                                        <p:tgtEl>
-                                          <p:spTgt spid="12"/>
-                                        </p:tgtEl>
-                                        <p:attrNameLst>
-                                          <p:attrName>ppt_y</p:attrName>
-                                        </p:attrNameLst>
-                                      </p:cBhvr>
-                                      <p:tavLst>
-                                        <p:tav tm="0">
-                                          <p:val>
-                                            <p:strVal val="#ppt_y+.1"/>
-                                          </p:val>
-                                        </p:tav>
-                                        <p:tav tm="100000">
-                                          <p:val>
-                                            <p:strVal val="#ppt_y"/>
-                                          </p:val>
-                                        </p:tav>
-                                      </p:tavLst>
-                                    </p:anim>
-                                  </p:childTnLst>
-                                </p:cTn>
-                              </p:par>
-                            </p:childTnLst>
-                          </p:cTn>
-                        </p:par>
-                      </p:childTnLst>
-                    </p:cTn>
-                  </p:par>
-                  <p:par>
-                    <p:cTn id="52" fill="hold">
-                      <p:stCondLst>
-                        <p:cond delay="indefinite"/>
-                      </p:stCondLst>
-                      <p:childTnLst>
-                        <p:par>
-                          <p:cTn id="53" fill="hold">
-                            <p:stCondLst>
-                              <p:cond delay="0"/>
-                            </p:stCondLst>
-                            <p:childTnLst>
-                              <p:par>
-                                <p:cTn id="54" presetID="42" presetClass="entr" presetSubtype="0" fill="hold" grpId="0" nodeType="clickEffect">
-                                  <p:stCondLst>
-                                    <p:cond delay="0"/>
-                                  </p:stCondLst>
-                                  <p:childTnLst>
-                                    <p:set>
-                                      <p:cBhvr>
-                                        <p:cTn id="55" dur="1" fill="hold">
-                                          <p:stCondLst>
-                                            <p:cond delay="0"/>
-                                          </p:stCondLst>
-                                        </p:cTn>
-                                        <p:tgtEl>
-                                          <p:spTgt spid="13"/>
-                                        </p:tgtEl>
-                                        <p:attrNameLst>
-                                          <p:attrName>style.visibility</p:attrName>
-                                        </p:attrNameLst>
-                                      </p:cBhvr>
-                                      <p:to>
-                                        <p:strVal val="visible"/>
-                                      </p:to>
-                                    </p:set>
-                                    <p:animEffect transition="in" filter="fade">
-                                      <p:cBhvr>
-                                        <p:cTn id="56" dur="1000"/>
-                                        <p:tgtEl>
-                                          <p:spTgt spid="13"/>
-                                        </p:tgtEl>
-                                      </p:cBhvr>
-                                    </p:animEffect>
-                                    <p:anim calcmode="lin" valueType="num">
-                                      <p:cBhvr>
-                                        <p:cTn id="57" dur="1000" fill="hold"/>
-                                        <p:tgtEl>
-                                          <p:spTgt spid="13"/>
-                                        </p:tgtEl>
-                                        <p:attrNameLst>
-                                          <p:attrName>ppt_x</p:attrName>
-                                        </p:attrNameLst>
-                                      </p:cBhvr>
-                                      <p:tavLst>
-                                        <p:tav tm="0">
-                                          <p:val>
-                                            <p:strVal val="#ppt_x"/>
-                                          </p:val>
-                                        </p:tav>
-                                        <p:tav tm="100000">
-                                          <p:val>
-                                            <p:strVal val="#ppt_x"/>
-                                          </p:val>
-                                        </p:tav>
-                                      </p:tavLst>
-                                    </p:anim>
-                                    <p:anim calcmode="lin" valueType="num">
-                                      <p:cBhvr>
-                                        <p:cTn id="58" dur="1000" fill="hold"/>
-                                        <p:tgtEl>
-                                          <p:spTgt spid="13"/>
-                                        </p:tgtEl>
-                                        <p:attrNameLst>
-                                          <p:attrName>ppt_y</p:attrName>
-                                        </p:attrNameLst>
-                                      </p:cBhvr>
-                                      <p:tavLst>
-                                        <p:tav tm="0">
-                                          <p:val>
-                                            <p:strVal val="#ppt_y+.1"/>
-                                          </p:val>
-                                        </p:tav>
-                                        <p:tav tm="100000">
-                                          <p:val>
-                                            <p:strVal val="#ppt_y"/>
-                                          </p:val>
-                                        </p:tav>
-                                      </p:tavLst>
-                                    </p:anim>
-                                  </p:childTnLst>
-                                </p:cTn>
-                              </p:par>
-                            </p:childTnLst>
-                          </p:cTn>
-                        </p:par>
-                      </p:childTnLst>
-                    </p:cTn>
-                  </p:par>
-                  <p:par>
-                    <p:cTn id="59" fill="hold">
-                      <p:stCondLst>
-                        <p:cond delay="indefinite"/>
-                      </p:stCondLst>
-                      <p:childTnLst>
-                        <p:par>
-                          <p:cTn id="60" fill="hold">
-                            <p:stCondLst>
-                              <p:cond delay="0"/>
-                            </p:stCondLst>
-                            <p:childTnLst>
-                              <p:par>
-                                <p:cTn id="61" presetID="42" presetClass="entr" presetSubtype="0" fill="hold" grpId="0" nodeType="clickEffect">
-                                  <p:stCondLst>
-                                    <p:cond delay="0"/>
-                                  </p:stCondLst>
-                                  <p:childTnLst>
-                                    <p:set>
-                                      <p:cBhvr>
-                                        <p:cTn id="62" dur="1" fill="hold">
-                                          <p:stCondLst>
-                                            <p:cond delay="0"/>
-                                          </p:stCondLst>
-                                        </p:cTn>
-                                        <p:tgtEl>
-                                          <p:spTgt spid="16"/>
-                                        </p:tgtEl>
-                                        <p:attrNameLst>
-                                          <p:attrName>style.visibility</p:attrName>
-                                        </p:attrNameLst>
-                                      </p:cBhvr>
-                                      <p:to>
-                                        <p:strVal val="visible"/>
-                                      </p:to>
-                                    </p:set>
-                                    <p:animEffect transition="in" filter="fade">
-                                      <p:cBhvr>
-                                        <p:cTn id="63" dur="1000"/>
-                                        <p:tgtEl>
-                                          <p:spTgt spid="16"/>
-                                        </p:tgtEl>
-                                      </p:cBhvr>
-                                    </p:animEffect>
-                                    <p:anim calcmode="lin" valueType="num">
-                                      <p:cBhvr>
-                                        <p:cTn id="64" dur="1000" fill="hold"/>
-                                        <p:tgtEl>
-                                          <p:spTgt spid="16"/>
-                                        </p:tgtEl>
-                                        <p:attrNameLst>
-                                          <p:attrName>ppt_x</p:attrName>
-                                        </p:attrNameLst>
-                                      </p:cBhvr>
-                                      <p:tavLst>
-                                        <p:tav tm="0">
-                                          <p:val>
-                                            <p:strVal val="#ppt_x"/>
-                                          </p:val>
-                                        </p:tav>
-                                        <p:tav tm="100000">
-                                          <p:val>
-                                            <p:strVal val="#ppt_x"/>
-                                          </p:val>
-                                        </p:tav>
-                                      </p:tavLst>
-                                    </p:anim>
-                                    <p:anim calcmode="lin" valueType="num">
-                                      <p:cBhvr>
-                                        <p:cTn id="65" dur="1000" fill="hold"/>
-                                        <p:tgtEl>
-                                          <p:spTgt spid="16"/>
-                                        </p:tgtEl>
-                                        <p:attrNameLst>
-                                          <p:attrName>ppt_y</p:attrName>
-                                        </p:attrNameLst>
-                                      </p:cBhvr>
-                                      <p:tavLst>
-                                        <p:tav tm="0">
-                                          <p:val>
-                                            <p:strVal val="#ppt_y+.1"/>
-                                          </p:val>
-                                        </p:tav>
-                                        <p:tav tm="100000">
-                                          <p:val>
-                                            <p:strVal val="#ppt_y"/>
-                                          </p:val>
-                                        </p:tav>
-                                      </p:tavLst>
-                                    </p:anim>
-                                  </p:childTnLst>
-                                </p:cTn>
-                              </p:par>
-                            </p:childTnLst>
-                          </p:cTn>
-                        </p:par>
-                      </p:childTnLst>
-                    </p:cTn>
-                  </p:par>
-                  <p:par>
-                    <p:cTn id="66" fill="hold">
-                      <p:stCondLst>
-                        <p:cond delay="indefinite"/>
-                      </p:stCondLst>
-                      <p:childTnLst>
-                        <p:par>
-                          <p:cTn id="67" fill="hold">
-                            <p:stCondLst>
-                              <p:cond delay="0"/>
-                            </p:stCondLst>
-                            <p:childTnLst>
-                              <p:par>
-                                <p:cTn id="68" presetID="42" presetClass="entr" presetSubtype="0" fill="hold" grpId="0" nodeType="clickEffect">
-                                  <p:stCondLst>
-                                    <p:cond delay="0"/>
-                                  </p:stCondLst>
-                                  <p:childTnLst>
-                                    <p:set>
-                                      <p:cBhvr>
-                                        <p:cTn id="69" dur="1" fill="hold">
-                                          <p:stCondLst>
-                                            <p:cond delay="0"/>
-                                          </p:stCondLst>
-                                        </p:cTn>
-                                        <p:tgtEl>
-                                          <p:spTgt spid="17"/>
-                                        </p:tgtEl>
-                                        <p:attrNameLst>
-                                          <p:attrName>style.visibility</p:attrName>
-                                        </p:attrNameLst>
-                                      </p:cBhvr>
-                                      <p:to>
-                                        <p:strVal val="visible"/>
-                                      </p:to>
-                                    </p:set>
-                                    <p:animEffect transition="in" filter="fade">
-                                      <p:cBhvr>
-                                        <p:cTn id="70" dur="1000"/>
-                                        <p:tgtEl>
-                                          <p:spTgt spid="17"/>
-                                        </p:tgtEl>
-                                      </p:cBhvr>
-                                    </p:animEffect>
-                                    <p:anim calcmode="lin" valueType="num">
-                                      <p:cBhvr>
-                                        <p:cTn id="71" dur="1000" fill="hold"/>
-                                        <p:tgtEl>
-                                          <p:spTgt spid="17"/>
-                                        </p:tgtEl>
-                                        <p:attrNameLst>
-                                          <p:attrName>ppt_x</p:attrName>
-                                        </p:attrNameLst>
-                                      </p:cBhvr>
-                                      <p:tavLst>
-                                        <p:tav tm="0">
-                                          <p:val>
-                                            <p:strVal val="#ppt_x"/>
-                                          </p:val>
-                                        </p:tav>
-                                        <p:tav tm="100000">
-                                          <p:val>
-                                            <p:strVal val="#ppt_x"/>
-                                          </p:val>
-                                        </p:tav>
-                                      </p:tavLst>
-                                    </p:anim>
-                                    <p:anim calcmode="lin" valueType="num">
-                                      <p:cBhvr>
-                                        <p:cTn id="72" dur="1000" fill="hold"/>
-                                        <p:tgtEl>
-                                          <p:spTgt spid="17"/>
-                                        </p:tgtEl>
-                                        <p:attrNameLst>
-                                          <p:attrName>ppt_y</p:attrName>
-                                        </p:attrNameLst>
-                                      </p:cBhvr>
-                                      <p:tavLst>
-                                        <p:tav tm="0">
-                                          <p:val>
-                                            <p:strVal val="#ppt_y+.1"/>
-                                          </p:val>
-                                        </p:tav>
-                                        <p:tav tm="100000">
-                                          <p:val>
-                                            <p:strVal val="#ppt_y"/>
-                                          </p:val>
-                                        </p:tav>
-                                      </p:tavLst>
-                                    </p:anim>
-                                  </p:childTnLst>
-                                </p:cTn>
-                              </p:par>
-                            </p:childTnLst>
-                          </p:cTn>
-                        </p:par>
-                      </p:childTnLst>
-                    </p:cTn>
-                  </p:par>
-                  <p:par>
-                    <p:cTn id="73" fill="hold">
-                      <p:stCondLst>
-                        <p:cond delay="indefinite"/>
-                      </p:stCondLst>
-                      <p:childTnLst>
-                        <p:par>
-                          <p:cTn id="74" fill="hold">
-                            <p:stCondLst>
-                              <p:cond delay="0"/>
-                            </p:stCondLst>
-                            <p:childTnLst>
-                              <p:par>
-                                <p:cTn id="75" presetID="42" presetClass="entr" presetSubtype="0" fill="hold" grpId="0" nodeType="clickEffect">
-                                  <p:stCondLst>
-                                    <p:cond delay="0"/>
-                                  </p:stCondLst>
-                                  <p:childTnLst>
-                                    <p:set>
-                                      <p:cBhvr>
-                                        <p:cTn id="76" dur="1" fill="hold">
-                                          <p:stCondLst>
-                                            <p:cond delay="0"/>
-                                          </p:stCondLst>
-                                        </p:cTn>
-                                        <p:tgtEl>
-                                          <p:spTgt spid="18"/>
-                                        </p:tgtEl>
-                                        <p:attrNameLst>
-                                          <p:attrName>style.visibility</p:attrName>
-                                        </p:attrNameLst>
-                                      </p:cBhvr>
-                                      <p:to>
-                                        <p:strVal val="visible"/>
-                                      </p:to>
-                                    </p:set>
-                                    <p:animEffect transition="in" filter="fade">
-                                      <p:cBhvr>
-                                        <p:cTn id="77" dur="1000"/>
-                                        <p:tgtEl>
-                                          <p:spTgt spid="18"/>
-                                        </p:tgtEl>
-                                      </p:cBhvr>
-                                    </p:animEffect>
-                                    <p:anim calcmode="lin" valueType="num">
-                                      <p:cBhvr>
-                                        <p:cTn id="78" dur="1000" fill="hold"/>
-                                        <p:tgtEl>
-                                          <p:spTgt spid="18"/>
-                                        </p:tgtEl>
-                                        <p:attrNameLst>
-                                          <p:attrName>ppt_x</p:attrName>
-                                        </p:attrNameLst>
-                                      </p:cBhvr>
-                                      <p:tavLst>
-                                        <p:tav tm="0">
-                                          <p:val>
-                                            <p:strVal val="#ppt_x"/>
-                                          </p:val>
-                                        </p:tav>
-                                        <p:tav tm="100000">
-                                          <p:val>
-                                            <p:strVal val="#ppt_x"/>
-                                          </p:val>
-                                        </p:tav>
-                                      </p:tavLst>
-                                    </p:anim>
-                                    <p:anim calcmode="lin" valueType="num">
-                                      <p:cBhvr>
-                                        <p:cTn id="79" dur="1000" fill="hold"/>
-                                        <p:tgtEl>
-                                          <p:spTgt spid="18"/>
-                                        </p:tgtEl>
-                                        <p:attrNameLst>
-                                          <p:attrName>ppt_y</p:attrName>
-                                        </p:attrNameLst>
-                                      </p:cBhvr>
-                                      <p:tavLst>
-                                        <p:tav tm="0">
-                                          <p:val>
-                                            <p:strVal val="#ppt_y+.1"/>
-                                          </p:val>
-                                        </p:tav>
-                                        <p:tav tm="100000">
-                                          <p:val>
-                                            <p:strVal val="#ppt_y"/>
-                                          </p:val>
-                                        </p:tav>
-                                      </p:tavLst>
-                                    </p:anim>
-                                  </p:childTnLst>
-                                </p:cTn>
-                              </p:par>
-                            </p:childTnLst>
-                          </p:cTn>
-                        </p:par>
-                      </p:childTnLst>
-                    </p:cTn>
-                  </p:par>
-                  <p:par>
-                    <p:cTn id="80" fill="hold">
-                      <p:stCondLst>
-                        <p:cond delay="indefinite"/>
-                      </p:stCondLst>
-                      <p:childTnLst>
-                        <p:par>
-                          <p:cTn id="81" fill="hold">
-                            <p:stCondLst>
-                              <p:cond delay="0"/>
-                            </p:stCondLst>
-                            <p:childTnLst>
-                              <p:par>
-                                <p:cTn id="82" presetID="42" presetClass="entr" presetSubtype="0" fill="hold" grpId="0" nodeType="clickEffect">
-                                  <p:stCondLst>
-                                    <p:cond delay="0"/>
-                                  </p:stCondLst>
-                                  <p:childTnLst>
-                                    <p:set>
-                                      <p:cBhvr>
-                                        <p:cTn id="83" dur="1" fill="hold">
-                                          <p:stCondLst>
-                                            <p:cond delay="0"/>
-                                          </p:stCondLst>
-                                        </p:cTn>
-                                        <p:tgtEl>
-                                          <p:spTgt spid="19"/>
-                                        </p:tgtEl>
-                                        <p:attrNameLst>
-                                          <p:attrName>style.visibility</p:attrName>
-                                        </p:attrNameLst>
-                                      </p:cBhvr>
-                                      <p:to>
-                                        <p:strVal val="visible"/>
-                                      </p:to>
-                                    </p:set>
-                                    <p:animEffect transition="in" filter="fade">
-                                      <p:cBhvr>
-                                        <p:cTn id="84" dur="1000"/>
-                                        <p:tgtEl>
-                                          <p:spTgt spid="19"/>
-                                        </p:tgtEl>
-                                      </p:cBhvr>
-                                    </p:animEffect>
-                                    <p:anim calcmode="lin" valueType="num">
-                                      <p:cBhvr>
-                                        <p:cTn id="85" dur="1000" fill="hold"/>
-                                        <p:tgtEl>
-                                          <p:spTgt spid="19"/>
-                                        </p:tgtEl>
-                                        <p:attrNameLst>
-                                          <p:attrName>ppt_x</p:attrName>
-                                        </p:attrNameLst>
-                                      </p:cBhvr>
-                                      <p:tavLst>
-                                        <p:tav tm="0">
-                                          <p:val>
-                                            <p:strVal val="#ppt_x"/>
-                                          </p:val>
-                                        </p:tav>
-                                        <p:tav tm="100000">
-                                          <p:val>
-                                            <p:strVal val="#ppt_x"/>
-                                          </p:val>
-                                        </p:tav>
-                                      </p:tavLst>
-                                    </p:anim>
-                                    <p:anim calcmode="lin" valueType="num">
-                                      <p:cBhvr>
-                                        <p:cTn id="86" dur="1000" fill="hold"/>
-                                        <p:tgtEl>
-                                          <p:spTgt spid="19"/>
-                                        </p:tgtEl>
-                                        <p:attrNameLst>
-                                          <p:attrName>ppt_y</p:attrName>
-                                        </p:attrNameLst>
-                                      </p:cBhvr>
-                                      <p:tavLst>
-                                        <p:tav tm="0">
-                                          <p:val>
-                                            <p:strVal val="#ppt_y+.1"/>
-                                          </p:val>
-                                        </p:tav>
-                                        <p:tav tm="100000">
-                                          <p:val>
-                                            <p:strVal val="#ppt_y"/>
-                                          </p:val>
-                                        </p:tav>
-                                      </p:tavLst>
-                                    </p:anim>
-                                  </p:childTnLst>
-                                </p:cTn>
-                              </p:par>
-                            </p:childTnLst>
-                          </p:cTn>
-                        </p:par>
-                      </p:childTnLst>
-                    </p:cTn>
-                  </p:par>
-                  <p:par>
-                    <p:cTn id="87" fill="hold">
-                      <p:stCondLst>
-                        <p:cond delay="indefinite"/>
-                      </p:stCondLst>
-                      <p:childTnLst>
-                        <p:par>
-                          <p:cTn id="88" fill="hold">
-                            <p:stCondLst>
-                              <p:cond delay="0"/>
-                            </p:stCondLst>
-                            <p:childTnLst>
-                              <p:par>
-                                <p:cTn id="89" presetID="42" presetClass="entr" presetSubtype="0" fill="hold" grpId="0" nodeType="clickEffect">
-                                  <p:stCondLst>
-                                    <p:cond delay="0"/>
-                                  </p:stCondLst>
-                                  <p:childTnLst>
-                                    <p:set>
-                                      <p:cBhvr>
-                                        <p:cTn id="90" dur="1" fill="hold">
-                                          <p:stCondLst>
-                                            <p:cond delay="0"/>
-                                          </p:stCondLst>
-                                        </p:cTn>
-                                        <p:tgtEl>
-                                          <p:spTgt spid="20"/>
-                                        </p:tgtEl>
-                                        <p:attrNameLst>
-                                          <p:attrName>style.visibility</p:attrName>
-                                        </p:attrNameLst>
-                                      </p:cBhvr>
-                                      <p:to>
-                                        <p:strVal val="visible"/>
-                                      </p:to>
-                                    </p:set>
-                                    <p:animEffect transition="in" filter="fade">
-                                      <p:cBhvr>
-                                        <p:cTn id="91" dur="1000"/>
-                                        <p:tgtEl>
-                                          <p:spTgt spid="20"/>
-                                        </p:tgtEl>
-                                      </p:cBhvr>
-                                    </p:animEffect>
-                                    <p:anim calcmode="lin" valueType="num">
-                                      <p:cBhvr>
-                                        <p:cTn id="92" dur="1000" fill="hold"/>
-                                        <p:tgtEl>
-                                          <p:spTgt spid="20"/>
-                                        </p:tgtEl>
-                                        <p:attrNameLst>
-                                          <p:attrName>ppt_x</p:attrName>
-                                        </p:attrNameLst>
-                                      </p:cBhvr>
-                                      <p:tavLst>
-                                        <p:tav tm="0">
-                                          <p:val>
-                                            <p:strVal val="#ppt_x"/>
-                                          </p:val>
-                                        </p:tav>
-                                        <p:tav tm="100000">
-                                          <p:val>
-                                            <p:strVal val="#ppt_x"/>
-                                          </p:val>
-                                        </p:tav>
-                                      </p:tavLst>
-                                    </p:anim>
-                                    <p:anim calcmode="lin" valueType="num">
-                                      <p:cBhvr>
-                                        <p:cTn id="93" dur="1000" fill="hold"/>
-                                        <p:tgtEl>
-                                          <p:spTgt spid="20"/>
-                                        </p:tgtEl>
-                                        <p:attrNameLst>
-                                          <p:attrName>ppt_y</p:attrName>
-                                        </p:attrNameLst>
-                                      </p:cBhvr>
-                                      <p:tavLst>
-                                        <p:tav tm="0">
-                                          <p:val>
-                                            <p:strVal val="#ppt_y+.1"/>
-                                          </p:val>
-                                        </p:tav>
-                                        <p:tav tm="100000">
-                                          <p:val>
-                                            <p:strVal val="#ppt_y"/>
-                                          </p:val>
-                                        </p:tav>
-                                      </p:tavLst>
-                                    </p:anim>
-                                  </p:childTnLst>
-                                </p:cTn>
-                              </p:par>
-                            </p:childTnLst>
-                          </p:cTn>
-                        </p:par>
-                      </p:childTnLst>
-                    </p:cTn>
-                  </p:par>
-                  <p:par>
-                    <p:cTn id="94" fill="hold">
-                      <p:stCondLst>
-                        <p:cond delay="indefinite"/>
-                      </p:stCondLst>
-                      <p:childTnLst>
-                        <p:par>
-                          <p:cTn id="95" fill="hold">
-                            <p:stCondLst>
-                              <p:cond delay="0"/>
-                            </p:stCondLst>
-                            <p:childTnLst>
-                              <p:par>
-                                <p:cTn id="96" presetID="42" presetClass="entr" presetSubtype="0" fill="hold" grpId="0" nodeType="clickEffect">
-                                  <p:stCondLst>
-                                    <p:cond delay="0"/>
-                                  </p:stCondLst>
-                                  <p:childTnLst>
-                                    <p:set>
-                                      <p:cBhvr>
-                                        <p:cTn id="97" dur="1" fill="hold">
-                                          <p:stCondLst>
-                                            <p:cond delay="0"/>
-                                          </p:stCondLst>
-                                        </p:cTn>
-                                        <p:tgtEl>
-                                          <p:spTgt spid="21"/>
-                                        </p:tgtEl>
-                                        <p:attrNameLst>
-                                          <p:attrName>style.visibility</p:attrName>
-                                        </p:attrNameLst>
-                                      </p:cBhvr>
-                                      <p:to>
-                                        <p:strVal val="visible"/>
-                                      </p:to>
-                                    </p:set>
-                                    <p:animEffect transition="in" filter="fade">
-                                      <p:cBhvr>
-                                        <p:cTn id="98" dur="1000"/>
-                                        <p:tgtEl>
-                                          <p:spTgt spid="21"/>
-                                        </p:tgtEl>
-                                      </p:cBhvr>
-                                    </p:animEffect>
-                                    <p:anim calcmode="lin" valueType="num">
-                                      <p:cBhvr>
-                                        <p:cTn id="99" dur="1000" fill="hold"/>
-                                        <p:tgtEl>
-                                          <p:spTgt spid="21"/>
-                                        </p:tgtEl>
-                                        <p:attrNameLst>
-                                          <p:attrName>ppt_x</p:attrName>
-                                        </p:attrNameLst>
-                                      </p:cBhvr>
-                                      <p:tavLst>
-                                        <p:tav tm="0">
-                                          <p:val>
-                                            <p:strVal val="#ppt_x"/>
-                                          </p:val>
-                                        </p:tav>
-                                        <p:tav tm="100000">
-                                          <p:val>
-                                            <p:strVal val="#ppt_x"/>
-                                          </p:val>
-                                        </p:tav>
-                                      </p:tavLst>
-                                    </p:anim>
-                                    <p:anim calcmode="lin" valueType="num">
-                                      <p:cBhvr>
-                                        <p:cTn id="100" dur="1000" fill="hold"/>
-                                        <p:tgtEl>
-                                          <p:spTgt spid="21"/>
-                                        </p:tgtEl>
-                                        <p:attrNameLst>
-                                          <p:attrName>ppt_y</p:attrName>
-                                        </p:attrNameLst>
-                                      </p:cBhvr>
-                                      <p:tavLst>
-                                        <p:tav tm="0">
-                                          <p:val>
-                                            <p:strVal val="#ppt_y+.1"/>
-                                          </p:val>
-                                        </p:tav>
-                                        <p:tav tm="100000">
-                                          <p:val>
-                                            <p:strVal val="#ppt_y"/>
-                                          </p:val>
-                                        </p:tav>
-                                      </p:tavLst>
-                                    </p:anim>
-                                  </p:childTnLst>
-                                </p:cTn>
-                              </p:par>
-                            </p:childTnLst>
-                          </p:cTn>
-                        </p:par>
-                      </p:childTnLst>
-                    </p:cTn>
-                  </p:par>
-                  <p:par>
-                    <p:cTn id="101" fill="hold">
-                      <p:stCondLst>
-                        <p:cond delay="indefinite"/>
-                      </p:stCondLst>
-                      <p:childTnLst>
-                        <p:par>
-                          <p:cTn id="102" fill="hold">
-                            <p:stCondLst>
-                              <p:cond delay="0"/>
-                            </p:stCondLst>
-                            <p:childTnLst>
-                              <p:par>
-                                <p:cTn id="103" presetID="42" presetClass="entr" presetSubtype="0" fill="hold" grpId="0" nodeType="clickEffect">
-                                  <p:stCondLst>
-                                    <p:cond delay="0"/>
-                                  </p:stCondLst>
-                                  <p:childTnLst>
-                                    <p:set>
-                                      <p:cBhvr>
-                                        <p:cTn id="104" dur="1" fill="hold">
-                                          <p:stCondLst>
-                                            <p:cond delay="0"/>
-                                          </p:stCondLst>
-                                        </p:cTn>
-                                        <p:tgtEl>
-                                          <p:spTgt spid="22"/>
-                                        </p:tgtEl>
-                                        <p:attrNameLst>
-                                          <p:attrName>style.visibility</p:attrName>
-                                        </p:attrNameLst>
-                                      </p:cBhvr>
-                                      <p:to>
-                                        <p:strVal val="visible"/>
-                                      </p:to>
-                                    </p:set>
-                                    <p:animEffect transition="in" filter="fade">
-                                      <p:cBhvr>
-                                        <p:cTn id="105" dur="1000"/>
-                                        <p:tgtEl>
-                                          <p:spTgt spid="22"/>
-                                        </p:tgtEl>
-                                      </p:cBhvr>
-                                    </p:animEffect>
-                                    <p:anim calcmode="lin" valueType="num">
-                                      <p:cBhvr>
-                                        <p:cTn id="106" dur="1000" fill="hold"/>
-                                        <p:tgtEl>
-                                          <p:spTgt spid="22"/>
-                                        </p:tgtEl>
-                                        <p:attrNameLst>
-                                          <p:attrName>ppt_x</p:attrName>
-                                        </p:attrNameLst>
-                                      </p:cBhvr>
-                                      <p:tavLst>
-                                        <p:tav tm="0">
-                                          <p:val>
-                                            <p:strVal val="#ppt_x"/>
-                                          </p:val>
-                                        </p:tav>
-                                        <p:tav tm="100000">
-                                          <p:val>
-                                            <p:strVal val="#ppt_x"/>
-                                          </p:val>
-                                        </p:tav>
-                                      </p:tavLst>
-                                    </p:anim>
-                                    <p:anim calcmode="lin" valueType="num">
-                                      <p:cBhvr>
-                                        <p:cTn id="107" dur="1000" fill="hold"/>
-                                        <p:tgtEl>
-                                          <p:spTgt spid="22"/>
                                         </p:tgtEl>
                                         <p:attrNameLst>
                                           <p:attrName>ppt_y</p:attrName>
@@ -12880,19 +11292,6 @@
     <p:bldLst>
       <p:bldP spid="6" grpId="0"/>
       <p:bldP spid="15" grpId="0"/>
-      <p:bldP spid="8" grpId="0"/>
-      <p:bldP spid="9" grpId="0"/>
-      <p:bldP spid="10" grpId="0"/>
-      <p:bldP spid="11" grpId="0"/>
-      <p:bldP spid="12" grpId="0"/>
-      <p:bldP spid="13" grpId="0"/>
-      <p:bldP spid="16" grpId="0"/>
-      <p:bldP spid="17" grpId="0"/>
-      <p:bldP spid="18" grpId="0"/>
-      <p:bldP spid="19" grpId="0"/>
-      <p:bldP spid="20" grpId="0"/>
-      <p:bldP spid="21" grpId="0"/>
-      <p:bldP spid="22" grpId="0"/>
     </p:bldLst>
   </p:timing>
 </p:sld>
@@ -12953,8 +11352,8 @@
         </p:nvSpPr>
         <p:spPr>
           <a:xfrm>
-            <a:off x="4082140" y="60430"/>
-            <a:ext cx="3298374" cy="646331"/>
+            <a:off x="4082139" y="60430"/>
+            <a:ext cx="4863077" cy="646331"/>
           </a:xfrm>
           <a:prstGeom prst="rect">
             <a:avLst/>
@@ -12971,7 +11370,7 @@
               <a:rPr lang="fr-SN" sz="3600" dirty="0">
                 <a:latin typeface="Constantia" panose="02030602050306030303" pitchFamily="18" charset="0"/>
               </a:rPr>
-              <a:t>Les formulaires</a:t>
+              <a:t>La gestion du temps</a:t>
             </a:r>
             <a:endParaRPr lang="en-US" sz="3600" dirty="0">
               <a:latin typeface="Constantia" panose="02030602050306030303" pitchFamily="18" charset="0"/>
@@ -13006,11 +11405,26 @@
               <a:buChar char="v"/>
             </a:pPr>
             <a:r>
+              <a:rPr lang="en-US" sz="2400" dirty="0" err="1">
+                <a:latin typeface="Constantia" panose="02030602050306030303" pitchFamily="18" charset="0"/>
+              </a:rPr>
+              <a:t>Système</a:t>
+            </a:r>
+            <a:r>
               <a:rPr lang="en-US" sz="2400" dirty="0">
                 <a:latin typeface="Constantia" panose="02030602050306030303" pitchFamily="18" charset="0"/>
               </a:rPr>
-              <a:t>Les  attributs</a:t>
-            </a:r>
+              <a:t> de </a:t>
+            </a:r>
+            <a:r>
+              <a:rPr lang="en-US" sz="2400" dirty="0" err="1">
+                <a:latin typeface="Constantia" panose="02030602050306030303" pitchFamily="18" charset="0"/>
+              </a:rPr>
+              <a:t>datation</a:t>
+            </a:r>
+            <a:endParaRPr lang="en-US" sz="2400" dirty="0">
+              <a:latin typeface="Constantia" panose="02030602050306030303" pitchFamily="18" charset="0"/>
+            </a:endParaRPr>
           </a:p>
         </p:txBody>
       </p:sp>
@@ -13022,7 +11436,7 @@
         </p:nvSpPr>
         <p:spPr>
           <a:xfrm>
-            <a:off x="2076988" y="3804526"/>
+            <a:off x="2076988" y="3231374"/>
             <a:ext cx="3892736" cy="461665"/>
           </a:xfrm>
           <a:prstGeom prst="rect">
@@ -13044,7 +11458,7 @@
               <a:rPr lang="fr-SN" sz="2400" dirty="0">
                 <a:latin typeface="Constantia" panose="02030602050306030303" pitchFamily="18" charset="0"/>
               </a:rPr>
-              <a:t>Méthodes et évènements</a:t>
+              <a:t>Fonction temporelles</a:t>
             </a:r>
             <a:r>
               <a:rPr lang="fr-FR" sz="2400" dirty="0">
@@ -13094,7 +11508,7 @@
               <a:rPr lang="fr-SN" sz="2400" dirty="0">
                 <a:latin typeface="Constantia" panose="02030602050306030303" pitchFamily="18" charset="0"/>
               </a:rPr>
-              <a:t>Attribut classique : value</a:t>
+              <a:t>L’objet date</a:t>
             </a:r>
           </a:p>
         </p:txBody>
@@ -13135,730 +11549,6 @@
               <a:rPr lang="fr-SN" sz="2400" dirty="0">
                 <a:latin typeface="Constantia" panose="02030602050306030303" pitchFamily="18" charset="0"/>
               </a:rPr>
-              <a:t>Les Booléens : </a:t>
-            </a:r>
-            <a:r>
-              <a:rPr lang="fr-SN" sz="2400" dirty="0" err="1">
-                <a:latin typeface="Constantia" panose="02030602050306030303" pitchFamily="18" charset="0"/>
-              </a:rPr>
-              <a:t>disabled</a:t>
-            </a:r>
-            <a:r>
-              <a:rPr lang="fr-SN" sz="2400" dirty="0">
-                <a:latin typeface="Constantia" panose="02030602050306030303" pitchFamily="18" charset="0"/>
-              </a:rPr>
-              <a:t>, </a:t>
-            </a:r>
-            <a:r>
-              <a:rPr lang="fr-SN" sz="2400" dirty="0" err="1">
-                <a:latin typeface="Constantia" panose="02030602050306030303" pitchFamily="18" charset="0"/>
-              </a:rPr>
-              <a:t>checked</a:t>
-            </a:r>
-            <a:r>
-              <a:rPr lang="fr-SN" sz="2400" dirty="0">
-                <a:latin typeface="Constantia" panose="02030602050306030303" pitchFamily="18" charset="0"/>
-              </a:rPr>
-              <a:t> et </a:t>
-            </a:r>
-            <a:r>
-              <a:rPr lang="fr-SN" sz="2400" dirty="0" err="1">
-                <a:latin typeface="Constantia" panose="02030602050306030303" pitchFamily="18" charset="0"/>
-              </a:rPr>
-              <a:t>readonly</a:t>
-            </a:r>
-            <a:endParaRPr lang="fr-SN" sz="2400" dirty="0">
-              <a:latin typeface="Constantia" panose="02030602050306030303" pitchFamily="18" charset="0"/>
-            </a:endParaRPr>
-          </a:p>
-        </p:txBody>
-      </p:sp>
-      <p:sp>
-        <p:nvSpPr>
-          <p:cNvPr id="8" name="ZoneTexte 7">
-            <a:extLst>
-              <a:ext uri="{FF2B5EF4-FFF2-40B4-BE49-F238E27FC236}">
-                <a16:creationId xmlns:a16="http://schemas.microsoft.com/office/drawing/2014/main" id="{3AE74E07-BD2F-0E49-89FE-2A01A4B3F416}"/>
-              </a:ext>
-            </a:extLst>
-          </p:cNvPr>
-          <p:cNvSpPr txBox="1"/>
-          <p:nvPr/>
-        </p:nvSpPr>
-        <p:spPr>
-          <a:xfrm>
-            <a:off x="2822711" y="3101619"/>
-            <a:ext cx="8123585" cy="461665"/>
-          </a:xfrm>
-          <a:prstGeom prst="rect">
-            <a:avLst/>
-          </a:prstGeom>
-          <a:noFill/>
-        </p:spPr>
-        <p:txBody>
-          <a:bodyPr wrap="square" rtlCol="0">
-            <a:spAutoFit/>
-          </a:bodyPr>
-          <a:lstStyle/>
-          <a:p>
-            <a:pPr marL="342900" indent="-342900">
-              <a:buFont typeface="Wingdings" panose="05000000000000000000" pitchFamily="2" charset="2"/>
-              <a:buChar char="Ø"/>
-            </a:pPr>
-            <a:r>
-              <a:rPr lang="fr-SN" sz="2400" dirty="0">
-                <a:latin typeface="Constantia" panose="02030602050306030303" pitchFamily="18" charset="0"/>
-              </a:rPr>
-              <a:t>Les listes déroulantes : </a:t>
-            </a:r>
-            <a:r>
-              <a:rPr lang="fr-SN" sz="2400" dirty="0" err="1">
-                <a:latin typeface="Constantia" panose="02030602050306030303" pitchFamily="18" charset="0"/>
-              </a:rPr>
-              <a:t>selectIndex</a:t>
-            </a:r>
-            <a:r>
-              <a:rPr lang="fr-SN" sz="2400" dirty="0">
-                <a:latin typeface="Constantia" panose="02030602050306030303" pitchFamily="18" charset="0"/>
-              </a:rPr>
-              <a:t> et options</a:t>
-            </a:r>
-          </a:p>
-        </p:txBody>
-      </p:sp>
-      <p:sp>
-        <p:nvSpPr>
-          <p:cNvPr id="9" name="ZoneTexte 8">
-            <a:extLst>
-              <a:ext uri="{FF2B5EF4-FFF2-40B4-BE49-F238E27FC236}">
-                <a16:creationId xmlns:a16="http://schemas.microsoft.com/office/drawing/2014/main" id="{71DFECED-E1EE-252B-CC60-F489E985A2F7}"/>
-              </a:ext>
-            </a:extLst>
-          </p:cNvPr>
-          <p:cNvSpPr txBox="1"/>
-          <p:nvPr/>
-        </p:nvSpPr>
-        <p:spPr>
-          <a:xfrm>
-            <a:off x="2772586" y="4462741"/>
-            <a:ext cx="6570197" cy="461665"/>
-          </a:xfrm>
-          <a:prstGeom prst="rect">
-            <a:avLst/>
-          </a:prstGeom>
-          <a:noFill/>
-        </p:spPr>
-        <p:txBody>
-          <a:bodyPr wrap="square" rtlCol="0">
-            <a:spAutoFit/>
-          </a:bodyPr>
-          <a:lstStyle/>
-          <a:p>
-            <a:pPr marL="342900" indent="-342900">
-              <a:buFont typeface="Wingdings" panose="05000000000000000000" pitchFamily="2" charset="2"/>
-              <a:buChar char="Ø"/>
-            </a:pPr>
-            <a:r>
-              <a:rPr lang="fr-SN" sz="2400" dirty="0">
-                <a:latin typeface="Constantia" panose="02030602050306030303" pitchFamily="18" charset="0"/>
-              </a:rPr>
-              <a:t>Les méthodes spécifiques à l’élément </a:t>
-            </a:r>
-            <a:r>
-              <a:rPr lang="fr-SN" sz="2400" dirty="0" err="1">
-                <a:latin typeface="Constantia" panose="02030602050306030303" pitchFamily="18" charset="0"/>
-              </a:rPr>
-              <a:t>form</a:t>
-            </a:r>
-            <a:endParaRPr lang="fr-SN" sz="2400" dirty="0">
-              <a:latin typeface="Constantia" panose="02030602050306030303" pitchFamily="18" charset="0"/>
-            </a:endParaRPr>
-          </a:p>
-        </p:txBody>
-      </p:sp>
-      <p:sp>
-        <p:nvSpPr>
-          <p:cNvPr id="10" name="ZoneTexte 9">
-            <a:extLst>
-              <a:ext uri="{FF2B5EF4-FFF2-40B4-BE49-F238E27FC236}">
-                <a16:creationId xmlns:a16="http://schemas.microsoft.com/office/drawing/2014/main" id="{E22A857A-D554-A490-5FC8-356EA1772A80}"/>
-              </a:ext>
-            </a:extLst>
-          </p:cNvPr>
-          <p:cNvSpPr txBox="1"/>
-          <p:nvPr/>
-        </p:nvSpPr>
-        <p:spPr>
-          <a:xfrm>
-            <a:off x="2772586" y="5120956"/>
-            <a:ext cx="5917481" cy="461665"/>
-          </a:xfrm>
-          <a:prstGeom prst="rect">
-            <a:avLst/>
-          </a:prstGeom>
-          <a:noFill/>
-        </p:spPr>
-        <p:txBody>
-          <a:bodyPr wrap="square" rtlCol="0">
-            <a:spAutoFit/>
-          </a:bodyPr>
-          <a:lstStyle/>
-          <a:p>
-            <a:pPr marL="342900" indent="-342900">
-              <a:buFont typeface="Wingdings" panose="05000000000000000000" pitchFamily="2" charset="2"/>
-              <a:buChar char="Ø"/>
-            </a:pPr>
-            <a:r>
-              <a:rPr lang="fr-SN" sz="2400" dirty="0">
-                <a:latin typeface="Constantia" panose="02030602050306030303" pitchFamily="18" charset="0"/>
-              </a:rPr>
-              <a:t>Gestion du focus et de la sélection</a:t>
-            </a:r>
-          </a:p>
-        </p:txBody>
-      </p:sp>
-      <p:sp>
-        <p:nvSpPr>
-          <p:cNvPr id="11" name="ZoneTexte 10">
-            <a:extLst>
-              <a:ext uri="{FF2B5EF4-FFF2-40B4-BE49-F238E27FC236}">
-                <a16:creationId xmlns:a16="http://schemas.microsoft.com/office/drawing/2014/main" id="{7CC07B55-AEA8-B7AA-4413-F9AF3C0F06E6}"/>
-              </a:ext>
-            </a:extLst>
-          </p:cNvPr>
-          <p:cNvSpPr txBox="1"/>
-          <p:nvPr/>
-        </p:nvSpPr>
-        <p:spPr>
-          <a:xfrm>
-            <a:off x="2772585" y="5689574"/>
-            <a:ext cx="5917481" cy="461665"/>
-          </a:xfrm>
-          <a:prstGeom prst="rect">
-            <a:avLst/>
-          </a:prstGeom>
-          <a:noFill/>
-        </p:spPr>
-        <p:txBody>
-          <a:bodyPr wrap="square" rtlCol="0">
-            <a:spAutoFit/>
-          </a:bodyPr>
-          <a:lstStyle/>
-          <a:p>
-            <a:pPr marL="342900" indent="-342900">
-              <a:buFont typeface="Wingdings" panose="05000000000000000000" pitchFamily="2" charset="2"/>
-              <a:buChar char="Ø"/>
-            </a:pPr>
-            <a:r>
-              <a:rPr lang="fr-SN" sz="2400" dirty="0">
-                <a:latin typeface="Constantia" panose="02030602050306030303" pitchFamily="18" charset="0"/>
-              </a:rPr>
-              <a:t>Évènement change</a:t>
-            </a:r>
-          </a:p>
-        </p:txBody>
-      </p:sp>
-    </p:spTree>
-    <p:extLst>
-      <p:ext uri="{BB962C8B-B14F-4D97-AF65-F5344CB8AC3E}">
-        <p14:creationId xmlns:p14="http://schemas.microsoft.com/office/powerpoint/2010/main" val="3914299587"/>
-      </p:ext>
-    </p:extLst>
-  </p:cSld>
-  <p:clrMapOvr>
-    <a:masterClrMapping/>
-  </p:clrMapOvr>
-  <mc:AlternateContent xmlns:mc="http://schemas.openxmlformats.org/markup-compatibility/2006">
-    <mc:Choice xmlns:p14="http://schemas.microsoft.com/office/powerpoint/2010/main" Requires="p14">
-      <p:transition spd="slow" p14:dur="3000">
-        <p14:shred/>
-      </p:transition>
-    </mc:Choice>
-    <mc:Fallback>
-      <p:transition spd="slow">
-        <p:fade/>
-      </p:transition>
-    </mc:Fallback>
-  </mc:AlternateContent>
-  <p:timing>
-    <p:tnLst>
-      <p:par>
-        <p:cTn id="1" dur="indefinite" restart="never" nodeType="tmRoot">
-          <p:childTnLst>
-            <p:seq concurrent="1" nextAc="seek">
-              <p:cTn id="2" dur="indefinite" nodeType="mainSeq">
-                <p:childTnLst>
-                  <p:par>
-                    <p:cTn id="3" fill="hold">
-                      <p:stCondLst>
-                        <p:cond delay="indefinite"/>
-                      </p:stCondLst>
-                      <p:childTnLst>
-                        <p:par>
-                          <p:cTn id="4" fill="hold">
-                            <p:stCondLst>
-                              <p:cond delay="0"/>
-                            </p:stCondLst>
-                            <p:childTnLst>
-                              <p:par>
-                                <p:cTn id="5" presetID="2" presetClass="entr" presetSubtype="4" fill="hold" grpId="0" nodeType="clickEffect">
-                                  <p:stCondLst>
-                                    <p:cond delay="0"/>
-                                  </p:stCondLst>
-                                  <p:childTnLst>
-                                    <p:set>
-                                      <p:cBhvr>
-                                        <p:cTn id="6" dur="1" fill="hold">
-                                          <p:stCondLst>
-                                            <p:cond delay="0"/>
-                                          </p:stCondLst>
-                                        </p:cTn>
-                                        <p:tgtEl>
-                                          <p:spTgt spid="6"/>
-                                        </p:tgtEl>
-                                        <p:attrNameLst>
-                                          <p:attrName>style.visibility</p:attrName>
-                                        </p:attrNameLst>
-                                      </p:cBhvr>
-                                      <p:to>
-                                        <p:strVal val="visible"/>
-                                      </p:to>
-                                    </p:set>
-                                    <p:anim calcmode="lin" valueType="num">
-                                      <p:cBhvr additive="base">
-                                        <p:cTn id="7" dur="500" fill="hold"/>
-                                        <p:tgtEl>
-                                          <p:spTgt spid="6"/>
-                                        </p:tgtEl>
-                                        <p:attrNameLst>
-                                          <p:attrName>ppt_x</p:attrName>
-                                        </p:attrNameLst>
-                                      </p:cBhvr>
-                                      <p:tavLst>
-                                        <p:tav tm="0">
-                                          <p:val>
-                                            <p:strVal val="#ppt_x"/>
-                                          </p:val>
-                                        </p:tav>
-                                        <p:tav tm="100000">
-                                          <p:val>
-                                            <p:strVal val="#ppt_x"/>
-                                          </p:val>
-                                        </p:tav>
-                                      </p:tavLst>
-                                    </p:anim>
-                                    <p:anim calcmode="lin" valueType="num">
-                                      <p:cBhvr additive="base">
-                                        <p:cTn id="8" dur="500" fill="hold"/>
-                                        <p:tgtEl>
-                                          <p:spTgt spid="6"/>
-                                        </p:tgtEl>
-                                        <p:attrNameLst>
-                                          <p:attrName>ppt_y</p:attrName>
-                                        </p:attrNameLst>
-                                      </p:cBhvr>
-                                      <p:tavLst>
-                                        <p:tav tm="0">
-                                          <p:val>
-                                            <p:strVal val="1+#ppt_h/2"/>
-                                          </p:val>
-                                        </p:tav>
-                                        <p:tav tm="100000">
-                                          <p:val>
-                                            <p:strVal val="#ppt_y"/>
-                                          </p:val>
-                                        </p:tav>
-                                      </p:tavLst>
-                                    </p:anim>
-                                  </p:childTnLst>
-                                </p:cTn>
-                              </p:par>
-                            </p:childTnLst>
-                          </p:cTn>
-                        </p:par>
-                      </p:childTnLst>
-                    </p:cTn>
-                  </p:par>
-                  <p:par>
-                    <p:cTn id="9" fill="hold">
-                      <p:stCondLst>
-                        <p:cond delay="indefinite"/>
-                      </p:stCondLst>
-                      <p:childTnLst>
-                        <p:par>
-                          <p:cTn id="10" fill="hold">
-                            <p:stCondLst>
-                              <p:cond delay="0"/>
-                            </p:stCondLst>
-                            <p:childTnLst>
-                              <p:par>
-                                <p:cTn id="11" presetID="42" presetClass="entr" presetSubtype="0" fill="hold" grpId="0" nodeType="clickEffect">
-                                  <p:stCondLst>
-                                    <p:cond delay="0"/>
-                                  </p:stCondLst>
-                                  <p:childTnLst>
-                                    <p:set>
-                                      <p:cBhvr>
-                                        <p:cTn id="12" dur="1" fill="hold">
-                                          <p:stCondLst>
-                                            <p:cond delay="0"/>
-                                          </p:stCondLst>
-                                        </p:cTn>
-                                        <p:tgtEl>
-                                          <p:spTgt spid="15"/>
-                                        </p:tgtEl>
-                                        <p:attrNameLst>
-                                          <p:attrName>style.visibility</p:attrName>
-                                        </p:attrNameLst>
-                                      </p:cBhvr>
-                                      <p:to>
-                                        <p:strVal val="visible"/>
-                                      </p:to>
-                                    </p:set>
-                                    <p:animEffect transition="in" filter="fade">
-                                      <p:cBhvr>
-                                        <p:cTn id="13" dur="1000"/>
-                                        <p:tgtEl>
-                                          <p:spTgt spid="15"/>
-                                        </p:tgtEl>
-                                      </p:cBhvr>
-                                    </p:animEffect>
-                                    <p:anim calcmode="lin" valueType="num">
-                                      <p:cBhvr>
-                                        <p:cTn id="14" dur="1000" fill="hold"/>
-                                        <p:tgtEl>
-                                          <p:spTgt spid="15"/>
-                                        </p:tgtEl>
-                                        <p:attrNameLst>
-                                          <p:attrName>ppt_x</p:attrName>
-                                        </p:attrNameLst>
-                                      </p:cBhvr>
-                                      <p:tavLst>
-                                        <p:tav tm="0">
-                                          <p:val>
-                                            <p:strVal val="#ppt_x"/>
-                                          </p:val>
-                                        </p:tav>
-                                        <p:tav tm="100000">
-                                          <p:val>
-                                            <p:strVal val="#ppt_x"/>
-                                          </p:val>
-                                        </p:tav>
-                                      </p:tavLst>
-                                    </p:anim>
-                                    <p:anim calcmode="lin" valueType="num">
-                                      <p:cBhvr>
-                                        <p:cTn id="15" dur="1000" fill="hold"/>
-                                        <p:tgtEl>
-                                          <p:spTgt spid="15"/>
-                                        </p:tgtEl>
-                                        <p:attrNameLst>
-                                          <p:attrName>ppt_y</p:attrName>
-                                        </p:attrNameLst>
-                                      </p:cBhvr>
-                                      <p:tavLst>
-                                        <p:tav tm="0">
-                                          <p:val>
-                                            <p:strVal val="#ppt_y+.1"/>
-                                          </p:val>
-                                        </p:tav>
-                                        <p:tav tm="100000">
-                                          <p:val>
-                                            <p:strVal val="#ppt_y"/>
-                                          </p:val>
-                                        </p:tav>
-                                      </p:tavLst>
-                                    </p:anim>
-                                  </p:childTnLst>
-                                </p:cTn>
-                              </p:par>
-                            </p:childTnLst>
-                          </p:cTn>
-                        </p:par>
-                      </p:childTnLst>
-                    </p:cTn>
-                  </p:par>
-                </p:childTnLst>
-              </p:cTn>
-              <p:prevCondLst>
-                <p:cond evt="onPrev" delay="0">
-                  <p:tgtEl>
-                    <p:sldTgt/>
-                  </p:tgtEl>
-                </p:cond>
-              </p:prevCondLst>
-              <p:nextCondLst>
-                <p:cond evt="onNext" delay="0">
-                  <p:tgtEl>
-                    <p:sldTgt/>
-                  </p:tgtEl>
-                </p:cond>
-              </p:nextCondLst>
-            </p:seq>
-          </p:childTnLst>
-        </p:cTn>
-      </p:par>
-    </p:tnLst>
-    <p:bldLst>
-      <p:bldP spid="6" grpId="0"/>
-      <p:bldP spid="15" grpId="0"/>
-    </p:bldLst>
-  </p:timing>
-</p:sld>
-</file>
-
-<file path=ppt/slides/slide14.xml><?xml version="1.0" encoding="utf-8"?>
-<p:sld xmlns:a="http://schemas.openxmlformats.org/drawingml/2006/main" xmlns:r="http://schemas.openxmlformats.org/officeDocument/2006/relationships" xmlns:p="http://schemas.openxmlformats.org/presentationml/2006/main">
-  <p:cSld>
-    <p:spTree>
-      <p:nvGrpSpPr>
-        <p:cNvPr id="1" name=""/>
-        <p:cNvGrpSpPr/>
-        <p:nvPr/>
-      </p:nvGrpSpPr>
-      <p:grpSpPr>
-        <a:xfrm>
-          <a:off x="0" y="0"/>
-          <a:ext cx="0" cy="0"/>
-          <a:chOff x="0" y="0"/>
-          <a:chExt cx="0" cy="0"/>
-        </a:xfrm>
-      </p:grpSpPr>
-      <p:pic>
-        <p:nvPicPr>
-          <p:cNvPr id="4" name="Image 3"/>
-          <p:cNvPicPr>
-            <a:picLocks noChangeAspect="1"/>
-          </p:cNvPicPr>
-          <p:nvPr/>
-        </p:nvPicPr>
-        <p:blipFill>
-          <a:blip r:embed="rId2" cstate="print">
-            <a:extLst>
-              <a:ext uri="{28A0092B-C50C-407E-A947-70E740481C1C}">
-                <a14:useLocalDpi xmlns:a14="http://schemas.microsoft.com/office/drawing/2010/main" val="0"/>
-              </a:ext>
-            </a:extLst>
-          </a:blip>
-          <a:stretch>
-            <a:fillRect/>
-          </a:stretch>
-        </p:blipFill>
-        <p:spPr>
-          <a:xfrm>
-            <a:off x="133891" y="5864836"/>
-            <a:ext cx="1126672" cy="1126672"/>
-          </a:xfrm>
-          <a:prstGeom prst="rect">
-            <a:avLst/>
-          </a:prstGeom>
-        </p:spPr>
-      </p:pic>
-      <p:sp>
-        <p:nvSpPr>
-          <p:cNvPr id="5" name="ZoneTexte 4"/>
-          <p:cNvSpPr txBox="1"/>
-          <p:nvPr/>
-        </p:nvSpPr>
-        <p:spPr>
-          <a:xfrm>
-            <a:off x="4082139" y="60430"/>
-            <a:ext cx="4863077" cy="646331"/>
-          </a:xfrm>
-          <a:prstGeom prst="rect">
-            <a:avLst/>
-          </a:prstGeom>
-          <a:noFill/>
-        </p:spPr>
-        <p:txBody>
-          <a:bodyPr wrap="square" rtlCol="0">
-            <a:spAutoFit/>
-          </a:bodyPr>
-          <a:lstStyle/>
-          <a:p>
-            <a:r>
-              <a:rPr lang="fr-SN" sz="3600" dirty="0">
-                <a:latin typeface="Constantia" panose="02030602050306030303" pitchFamily="18" charset="0"/>
-              </a:rPr>
-              <a:t>La gestion du temps</a:t>
-            </a:r>
-            <a:endParaRPr lang="en-US" sz="3600" dirty="0">
-              <a:latin typeface="Constantia" panose="02030602050306030303" pitchFamily="18" charset="0"/>
-            </a:endParaRPr>
-          </a:p>
-        </p:txBody>
-      </p:sp>
-      <p:sp>
-        <p:nvSpPr>
-          <p:cNvPr id="6" name="ZoneTexte 5"/>
-          <p:cNvSpPr txBox="1"/>
-          <p:nvPr/>
-        </p:nvSpPr>
-        <p:spPr>
-          <a:xfrm>
-            <a:off x="2076988" y="1168426"/>
-            <a:ext cx="7929158" cy="461665"/>
-          </a:xfrm>
-          <a:prstGeom prst="rect">
-            <a:avLst/>
-          </a:prstGeom>
-          <a:noFill/>
-        </p:spPr>
-        <p:txBody>
-          <a:bodyPr wrap="square" rtlCol="0">
-            <a:spAutoFit/>
-          </a:bodyPr>
-          <a:lstStyle/>
-          <a:p>
-            <a:pPr marL="342900" indent="-342900">
-              <a:buFont typeface="Wingdings" panose="05000000000000000000" pitchFamily="2" charset="2"/>
-              <a:buChar char="v"/>
-            </a:pPr>
-            <a:r>
-              <a:rPr lang="en-US" sz="2400" dirty="0" err="1">
-                <a:latin typeface="Constantia" panose="02030602050306030303" pitchFamily="18" charset="0"/>
-              </a:rPr>
-              <a:t>Système</a:t>
-            </a:r>
-            <a:r>
-              <a:rPr lang="en-US" sz="2400" dirty="0">
-                <a:latin typeface="Constantia" panose="02030602050306030303" pitchFamily="18" charset="0"/>
-              </a:rPr>
-              <a:t> de </a:t>
-            </a:r>
-            <a:r>
-              <a:rPr lang="en-US" sz="2400" dirty="0" err="1">
-                <a:latin typeface="Constantia" panose="02030602050306030303" pitchFamily="18" charset="0"/>
-              </a:rPr>
-              <a:t>datation</a:t>
-            </a:r>
-            <a:endParaRPr lang="en-US" sz="2400" dirty="0">
-              <a:latin typeface="Constantia" panose="02030602050306030303" pitchFamily="18" charset="0"/>
-            </a:endParaRPr>
-          </a:p>
-        </p:txBody>
-      </p:sp>
-      <p:sp>
-        <p:nvSpPr>
-          <p:cNvPr id="15" name="ZoneTexte 14"/>
-          <p:cNvSpPr txBox="1"/>
-          <p:nvPr/>
-        </p:nvSpPr>
-        <p:spPr>
-          <a:xfrm>
-            <a:off x="2076988" y="3231374"/>
-            <a:ext cx="3892736" cy="461665"/>
-          </a:xfrm>
-          <a:prstGeom prst="rect">
-            <a:avLst/>
-          </a:prstGeom>
-          <a:noFill/>
-        </p:spPr>
-        <p:txBody>
-          <a:bodyPr wrap="square" rtlCol="0">
-            <a:spAutoFit/>
-          </a:bodyPr>
-          <a:lstStyle/>
-          <a:p>
-            <a:pPr marL="342900" indent="-342900">
-              <a:buFont typeface="Wingdings" panose="05000000000000000000" pitchFamily="2" charset="2"/>
-              <a:buChar char="v"/>
-            </a:pPr>
-            <a:r>
-              <a:rPr lang="fr-SN" sz="2400" dirty="0">
-                <a:latin typeface="Constantia" panose="02030602050306030303" pitchFamily="18" charset="0"/>
-              </a:rPr>
-              <a:t>Fonction temporelles</a:t>
-            </a:r>
-            <a:r>
-              <a:rPr lang="fr-FR" sz="2400" dirty="0">
-                <a:latin typeface="Constantia" panose="02030602050306030303" pitchFamily="18" charset="0"/>
-              </a:rPr>
-              <a:t> </a:t>
-            </a:r>
-            <a:endParaRPr lang="en-US" sz="2400" dirty="0">
-              <a:latin typeface="Constantia" panose="02030602050306030303" pitchFamily="18" charset="0"/>
-            </a:endParaRPr>
-          </a:p>
-        </p:txBody>
-      </p:sp>
-      <p:sp>
-        <p:nvSpPr>
-          <p:cNvPr id="2" name="ZoneTexte 1">
-            <a:extLst>
-              <a:ext uri="{FF2B5EF4-FFF2-40B4-BE49-F238E27FC236}">
-                <a16:creationId xmlns:a16="http://schemas.microsoft.com/office/drawing/2014/main" id="{11419FC5-3D9A-A1BF-8256-82A10AEBE9AC}"/>
-              </a:ext>
-            </a:extLst>
-          </p:cNvPr>
-          <p:cNvSpPr txBox="1"/>
-          <p:nvPr/>
-        </p:nvSpPr>
-        <p:spPr>
-          <a:xfrm>
-            <a:off x="2822712" y="1736035"/>
-            <a:ext cx="5917481" cy="461665"/>
-          </a:xfrm>
-          <a:prstGeom prst="rect">
-            <a:avLst/>
-          </a:prstGeom>
-          <a:noFill/>
-        </p:spPr>
-        <p:txBody>
-          <a:bodyPr wrap="square" rtlCol="0">
-            <a:spAutoFit/>
-          </a:bodyPr>
-          <a:lstStyle/>
-          <a:p>
-            <a:pPr marL="342900" indent="-342900">
-              <a:buFont typeface="Wingdings" panose="05000000000000000000" pitchFamily="2" charset="2"/>
-              <a:buChar char="Ø"/>
-            </a:pPr>
-            <a:r>
-              <a:rPr lang="fr-SN" sz="2400" dirty="0">
-                <a:latin typeface="Constantia" panose="02030602050306030303" pitchFamily="18" charset="0"/>
-              </a:rPr>
-              <a:t>L’objet date</a:t>
-            </a:r>
-          </a:p>
-        </p:txBody>
-      </p:sp>
-      <p:sp>
-        <p:nvSpPr>
-          <p:cNvPr id="3" name="ZoneTexte 2">
-            <a:extLst>
-              <a:ext uri="{FF2B5EF4-FFF2-40B4-BE49-F238E27FC236}">
-                <a16:creationId xmlns:a16="http://schemas.microsoft.com/office/drawing/2014/main" id="{2E8EC832-601C-1882-AFA8-C9A11631030C}"/>
-              </a:ext>
-            </a:extLst>
-          </p:cNvPr>
-          <p:cNvSpPr txBox="1"/>
-          <p:nvPr/>
-        </p:nvSpPr>
-        <p:spPr>
-          <a:xfrm>
-            <a:off x="2822711" y="2399793"/>
-            <a:ext cx="7659759" cy="461665"/>
-          </a:xfrm>
-          <a:prstGeom prst="rect">
-            <a:avLst/>
-          </a:prstGeom>
-          <a:noFill/>
-        </p:spPr>
-        <p:txBody>
-          <a:bodyPr wrap="square" rtlCol="0">
-            <a:spAutoFit/>
-          </a:bodyPr>
-          <a:lstStyle/>
-          <a:p>
-            <a:pPr marL="342900" indent="-342900">
-              <a:buFont typeface="Wingdings" panose="05000000000000000000" pitchFamily="2" charset="2"/>
-              <a:buChar char="Ø"/>
-            </a:pPr>
-            <a:r>
-              <a:rPr lang="fr-SN" sz="2400" dirty="0">
-                <a:latin typeface="Constantia" panose="02030602050306030303" pitchFamily="18" charset="0"/>
-              </a:rPr>
               <a:t>Calculer le temps d’</a:t>
             </a:r>
             <a:r>
@@ -13983,13 +11673,13 @@
   <p:clrMapOvr>
     <a:masterClrMapping/>
   </p:clrMapOvr>
-  <mc:AlternateContent xmlns:mc="http://schemas.openxmlformats.org/markup-compatibility/2006">
-    <mc:Choice xmlns:p14="http://schemas.microsoft.com/office/powerpoint/2010/main" Requires="p14">
+  <mc:AlternateContent xmlns:mc="http://schemas.openxmlformats.org/markup-compatibility/2006" xmlns:p14="http://schemas.microsoft.com/office/powerpoint/2010/main">
+    <mc:Choice Requires="p14">
       <p:transition spd="slow" p14:dur="3000">
         <p14:shred/>
       </p:transition>
     </mc:Choice>
-    <mc:Fallback>
+    <mc:Fallback xmlns="">
       <p:transition spd="slow">
         <p:fade/>
       </p:transition>
